--- a/2021-04-12to04-16 (A5) C53517 SoftMARS/21_10v01_MarsBaseAlpha_PreliminaryFindings.pptx
+++ b/2021-04-12to04-16 (A5) C53517 SoftMARS/21_10v01_MarsBaseAlpha_PreliminaryFindings.pptx
@@ -271,7 +271,7 @@
           <a:p>
             <a:fld id="{F319E496-E8FF-4856-B08F-DBE14D18B236}" type="datetimeFigureOut">
               <a:rPr lang="en-US" smtClean="0"/>
-              <a:t>7/12/2021</a:t>
+              <a:t>8/6/2021</a:t>
             </a:fld>
             <a:endParaRPr lang="en-US"/>
           </a:p>
@@ -448,7 +448,7 @@
           <a:p>
             <a:fld id="{4572F63B-EF0F-9942-98B2-F67CC88AF236}" type="datetimeFigureOut">
               <a:rPr lang="en-US" smtClean="0"/>
-              <a:t>7/12/2021</a:t>
+              <a:t>8/6/2021</a:t>
             </a:fld>
             <a:endParaRPr lang="en-US"/>
           </a:p>
@@ -1854,7 +1854,7 @@
               </a14:hiddenLine>
             </a:ext>
             <a:ext uri="{FAA26D3D-D897-4be2-8F04-BA451C77F1D7}">
-              <ma14:placeholderFlag xmlns:ma14="http://schemas.microsoft.com/office/mac/drawingml/2011/main" xmlns="" val="1"/>
+              <ma14:placeholderFlag xmlns="" xmlns:ma14="http://schemas.microsoft.com/office/mac/drawingml/2011/main" val="1"/>
             </a:ext>
           </a:extLst>
         </p:spPr>
@@ -4632,14 +4632,14 @@
           </a:ln>
           <a:extLst>
             <a:ext uri="{909E8E84-426E-40dd-AFC4-6F175D3DCCD1}">
-              <a14:hiddenFill xmlns="" xmlns:a14="http://schemas.microsoft.com/office/drawing/2010/main">
+              <a14:hiddenFill xmlns:a14="http://schemas.microsoft.com/office/drawing/2010/main" xmlns="">
                 <a:solidFill>
                   <a:schemeClr val="accent1"/>
                 </a:solidFill>
               </a14:hiddenFill>
             </a:ext>
             <a:ext uri="{91240B29-F687-4f45-9708-019B960494DF}">
-              <a14:hiddenLine xmlns="" xmlns:a14="http://schemas.microsoft.com/office/drawing/2010/main" w="9525">
+              <a14:hiddenLine xmlns:a14="http://schemas.microsoft.com/office/drawing/2010/main" xmlns="" w="9525">
                 <a:solidFill>
                   <a:schemeClr val="tx1"/>
                 </a:solidFill>
@@ -5367,7 +5367,7 @@
           <a:lstStyle/>
           <a:p>
             <a:r>
-              <a:rPr lang="en-US"/>
+              <a:rPr lang="en-US" dirty="0"/>
               <a:t>Findings Definitions – Required Categories</a:t>
             </a:r>
           </a:p>
@@ -5389,7 +5389,12 @@
             <p:ph idx="1"/>
           </p:nvPr>
         </p:nvSpPr>
-        <p:spPr/>
+        <p:spPr>
+          <a:xfrm>
+            <a:off x="955962" y="1645919"/>
+            <a:ext cx="10397837" cy="4646726"/>
+          </a:xfrm>
+        </p:spPr>
         <p:txBody>
           <a:bodyPr>
             <a:normAutofit fontScale="92500" lnSpcReduction="10000"/>
@@ -5464,7 +5469,7 @@
                   <a:srgbClr val="1F497D"/>
                 </a:solidFill>
               </a:rPr>
-              <a:t>一种初步或最终发现</a:t>
+              <a:t>一种初步或最终的发现，是指一个或多个过程实施无效或缺乏实施，这些过程基于已验证的客观证据，符合实践的意图和价值，适用于整个项目和组织支持职能组或组织单元。这可以通过以下两种方式实现：</a:t>
             </a:r>
             <a:r>
               <a:rPr lang="en-US" altLang="zh-CN" sz="1800" dirty="0">
@@ -5472,7 +5477,7 @@
                   <a:srgbClr val="1F497D"/>
                 </a:solidFill>
               </a:rPr>
-              <a:t>,</a:t>
+              <a:t>a</a:t>
             </a:r>
             <a:r>
               <a:rPr lang="zh-CN" altLang="en-US" sz="1800" dirty="0">
@@ -5480,7 +5485,7 @@
                   <a:srgbClr val="1F497D"/>
                 </a:solidFill>
               </a:rPr>
-              <a:t>这是一个无效</a:t>
+              <a:t>）过程本身没有满足</a:t>
             </a:r>
             <a:r>
               <a:rPr lang="en-US" altLang="zh-CN" sz="1800" dirty="0">
@@ -5488,7 +5493,7 @@
                   <a:srgbClr val="1F497D"/>
                 </a:solidFill>
               </a:rPr>
-              <a:t>,</a:t>
+              <a:t>CMMI</a:t>
             </a:r>
             <a:r>
               <a:rPr lang="zh-CN" altLang="en-US" sz="1800" dirty="0">
@@ -5496,7 +5501,7 @@
                   <a:srgbClr val="1F497D"/>
                 </a:solidFill>
               </a:rPr>
-              <a:t>或缺乏</a:t>
+              <a:t>实践需求，或者</a:t>
             </a:r>
             <a:r>
               <a:rPr lang="en-US" altLang="zh-CN" sz="1800" dirty="0">
@@ -5504,7 +5509,7 @@
                   <a:srgbClr val="1F497D"/>
                 </a:solidFill>
               </a:rPr>
-              <a:t>,</a:t>
+              <a:t>b</a:t>
             </a:r>
             <a:r>
               <a:rPr lang="zh-CN" altLang="en-US" sz="1800" dirty="0">
@@ -5512,7 +5517,7 @@
                   <a:srgbClr val="1F497D"/>
                 </a:solidFill>
               </a:rPr>
-              <a:t>实现一个或多个过程满足的意图和价值实践验证客观证据的基础上</a:t>
+              <a:t>）项目或组织支持职能组没有遵循符合适用</a:t>
             </a:r>
             <a:r>
               <a:rPr lang="en-US" altLang="zh-CN" sz="1800" dirty="0">
@@ -5520,7 +5525,7 @@
                   <a:srgbClr val="1F497D"/>
                 </a:solidFill>
               </a:rPr>
-              <a:t>,</a:t>
+              <a:t>CMMI</a:t>
             </a:r>
             <a:r>
               <a:rPr lang="zh-CN" altLang="en-US" sz="1800" dirty="0">
@@ -5528,87 +5533,7 @@
                   <a:srgbClr val="1F497D"/>
                 </a:solidFill>
               </a:rPr>
-              <a:t>和适用的项目</a:t>
-            </a:r>
-            <a:r>
-              <a:rPr lang="en-US" altLang="zh-CN" sz="1800" dirty="0">
-                <a:solidFill>
-                  <a:srgbClr val="1F497D"/>
-                </a:solidFill>
-              </a:rPr>
-              <a:t>(s)</a:t>
-            </a:r>
-            <a:r>
-              <a:rPr lang="zh-CN" altLang="en-US" sz="1800" dirty="0">
-                <a:solidFill>
-                  <a:srgbClr val="1F497D"/>
-                </a:solidFill>
-              </a:rPr>
-              <a:t>和组织支持函数或组织单元作为一个整体。这要么是由</a:t>
-            </a:r>
-            <a:r>
-              <a:rPr lang="en-US" altLang="zh-CN" sz="1800" dirty="0">
-                <a:solidFill>
-                  <a:srgbClr val="1F497D"/>
-                </a:solidFill>
-              </a:rPr>
-              <a:t>a)</a:t>
-            </a:r>
-            <a:r>
-              <a:rPr lang="zh-CN" altLang="en-US" sz="1800" dirty="0">
-                <a:solidFill>
-                  <a:srgbClr val="1F497D"/>
-                </a:solidFill>
-              </a:rPr>
-              <a:t>过程本身没有满足</a:t>
-            </a:r>
-            <a:r>
-              <a:rPr lang="en-US" altLang="zh-CN" sz="1800" dirty="0">
-                <a:solidFill>
-                  <a:srgbClr val="1F497D"/>
-                </a:solidFill>
-              </a:rPr>
-              <a:t>CMMI</a:t>
-            </a:r>
-            <a:r>
-              <a:rPr lang="zh-CN" altLang="en-US" sz="1800" dirty="0">
-                <a:solidFill>
-                  <a:srgbClr val="1F497D"/>
-                </a:solidFill>
-              </a:rPr>
-              <a:t>实践需求，要么是由</a:t>
-            </a:r>
-            <a:r>
-              <a:rPr lang="en-US" altLang="zh-CN" sz="1800" dirty="0">
-                <a:solidFill>
-                  <a:srgbClr val="1F497D"/>
-                </a:solidFill>
-              </a:rPr>
-              <a:t>b)</a:t>
-            </a:r>
-            <a:r>
-              <a:rPr lang="zh-CN" altLang="en-US" sz="1800" dirty="0">
-                <a:solidFill>
-                  <a:srgbClr val="1F497D"/>
-                </a:solidFill>
-              </a:rPr>
-              <a:t>项目或组织支持功能没有遵循它们的过程，而这些过程与适用的</a:t>
-            </a:r>
-            <a:r>
-              <a:rPr lang="en-US" altLang="zh-CN" sz="1800" dirty="0">
-                <a:solidFill>
-                  <a:srgbClr val="1F497D"/>
-                </a:solidFill>
-              </a:rPr>
-              <a:t>CMMI</a:t>
-            </a:r>
-            <a:r>
-              <a:rPr lang="zh-CN" altLang="en-US" sz="1800" dirty="0">
-                <a:solidFill>
-                  <a:srgbClr val="1F497D"/>
-                </a:solidFill>
-              </a:rPr>
-              <a:t>实践的意图和价值是一致的。</a:t>
+              <a:t>实践意图和价值的过程。</a:t>
             </a:r>
             <a:endParaRPr lang="en-ZA" altLang="zh-CN" sz="1800" dirty="0">
               <a:solidFill>
@@ -5624,7 +5549,7 @@
                   <a:srgbClr val="1F497D"/>
                 </a:solidFill>
               </a:rPr>
-              <a:t>优势 </a:t>
+              <a:t>强项</a:t>
             </a:r>
             <a:r>
               <a:rPr lang="en-US" altLang="zh-CN" sz="1800" dirty="0">
@@ -5632,7 +5557,7 @@
                   <a:srgbClr val="1F497D"/>
                 </a:solidFill>
               </a:rPr>
-              <a:t>- </a:t>
+              <a:t>——</a:t>
             </a:r>
             <a:r>
               <a:rPr lang="zh-CN" altLang="en-US" sz="1800" dirty="0">
@@ -5640,7 +5565,7 @@
                   <a:srgbClr val="1F497D"/>
                 </a:solidFill>
               </a:rPr>
-              <a:t>一种初步或最终发现，是符合 </a:t>
+              <a:t>一种初步或最终的发现，是一个模范性或值得注意的过程实现，其符合</a:t>
             </a:r>
             <a:r>
               <a:rPr lang="en-US" altLang="zh-CN" sz="1800" dirty="0">
@@ -5648,7 +5573,7 @@
                   <a:srgbClr val="1F497D"/>
                 </a:solidFill>
               </a:rPr>
-              <a:t>CMMI </a:t>
+              <a:t>CMMI</a:t>
             </a:r>
             <a:r>
               <a:rPr lang="zh-CN" altLang="en-US" sz="1800" dirty="0">
@@ -5656,20 +5581,8 @@
                   <a:srgbClr val="1F497D"/>
                 </a:solidFill>
               </a:rPr>
-              <a:t>模型实践意图和价值的过程的模范或值得注意的执行</a:t>
-            </a:r>
-            <a:r>
-              <a:rPr lang="zh-CN" altLang="en-US" sz="2100" dirty="0">
-                <a:solidFill>
-                  <a:srgbClr val="1F497D"/>
-                </a:solidFill>
-              </a:rPr>
-              <a:t>。</a:t>
-            </a:r>
-          </a:p>
-          <a:p>
-            <a:pPr lvl="1"/>
-            <a:endParaRPr lang="en-US" dirty="0"/>
+              <a:t>模型实践的意图和价值。</a:t>
+            </a:r>
           </a:p>
         </p:txBody>
       </p:sp>
@@ -18091,18 +18004,18 @@
 </file>
 
 <file path=customXml/item1.xml><?xml version="1.0" encoding="utf-8"?>
-<p:properties xmlns:p="http://schemas.microsoft.com/office/2006/metadata/properties" xmlns:xsi="http://www.w3.org/2001/XMLSchema-instance" xmlns:pc="http://schemas.microsoft.com/office/infopath/2007/PartnerControls">
-  <documentManagement/>
-</p:properties>
-</file>
-
-<file path=customXml/item2.xml><?xml version="1.0" encoding="utf-8"?>
 <?mso-contentType ?>
 <FormTemplates xmlns="http://schemas.microsoft.com/sharepoint/v3/contenttype/forms">
   <Display>DocumentLibraryForm</Display>
   <Edit>DocumentLibraryForm</Edit>
   <New>DocumentLibraryForm</New>
 </FormTemplates>
+</file>
+
+<file path=customXml/item2.xml><?xml version="1.0" encoding="utf-8"?>
+<p:properties xmlns:p="http://schemas.microsoft.com/office/2006/metadata/properties" xmlns:xsi="http://www.w3.org/2001/XMLSchema-instance" xmlns:pc="http://schemas.microsoft.com/office/infopath/2007/PartnerControls">
+  <documentManagement/>
+</p:properties>
 </file>
 
 <file path=customXml/item3.xml><?xml version="1.0" encoding="utf-8"?>
@@ -18317,6 +18230,14 @@
 </file>
 
 <file path=customXml/itemProps1.xml><?xml version="1.0" encoding="utf-8"?>
+<ds:datastoreItem xmlns:ds="http://schemas.openxmlformats.org/officeDocument/2006/customXml" ds:itemID="{B8B49826-D5EE-4D24-B649-7C3A19B527D2}">
+  <ds:schemaRefs>
+    <ds:schemaRef ds:uri="http://schemas.microsoft.com/sharepoint/v3/contenttype/forms"/>
+  </ds:schemaRefs>
+</ds:datastoreItem>
+</file>
+
+<file path=customXml/itemProps2.xml><?xml version="1.0" encoding="utf-8"?>
 <ds:datastoreItem xmlns:ds="http://schemas.openxmlformats.org/officeDocument/2006/customXml" ds:itemID="{5F07B0D7-F930-4230-933E-ABA84959494E}">
   <ds:schemaRefs>
     <ds:schemaRef ds:uri="http://purl.org/dc/terms/"/>
@@ -18327,14 +18248,6 @@
     <ds:schemaRef ds:uri="http://schemas.openxmlformats.org/package/2006/metadata/core-properties"/>
     <ds:schemaRef ds:uri="http://schemas.microsoft.com/office/2006/metadata/properties"/>
     <ds:schemaRef ds:uri="http://purl.org/dc/elements/1.1/"/>
-  </ds:schemaRefs>
-</ds:datastoreItem>
-</file>
-
-<file path=customXml/itemProps2.xml><?xml version="1.0" encoding="utf-8"?>
-<ds:datastoreItem xmlns:ds="http://schemas.openxmlformats.org/officeDocument/2006/customXml" ds:itemID="{B8B49826-D5EE-4D24-B649-7C3A19B527D2}">
-  <ds:schemaRefs>
-    <ds:schemaRef ds:uri="http://schemas.microsoft.com/sharepoint/v3/contenttype/forms"/>
   </ds:schemaRefs>
 </ds:datastoreItem>
 </file>

--- a/2021-04-12to04-16 (A5) C53517 SoftMARS/21_10v01_MarsBaseAlpha_PreliminaryFindings.pptx
+++ b/2021-04-12to04-16 (A5) C53517 SoftMARS/21_10v01_MarsBaseAlpha_PreliminaryFindings.pptx
@@ -12,8 +12,8 @@
   </p:handoutMasterIdLst>
   <p:sldIdLst>
     <p:sldId id="256" r:id="rId5"/>
-    <p:sldId id="1540" r:id="rId6"/>
-    <p:sldId id="1541" r:id="rId7"/>
+    <p:sldId id="1547" r:id="rId6"/>
+    <p:sldId id="1546" r:id="rId7"/>
     <p:sldId id="493" r:id="rId8"/>
     <p:sldId id="1545" r:id="rId9"/>
     <p:sldId id="439" r:id="rId10"/>
@@ -21,7 +21,7 @@
     <p:sldId id="1026" r:id="rId12"/>
     <p:sldId id="1543" r:id="rId13"/>
     <p:sldId id="926" r:id="rId14"/>
-    <p:sldId id="1544" r:id="rId15"/>
+    <p:sldId id="1548" r:id="rId15"/>
     <p:sldId id="887" r:id="rId16"/>
     <p:sldId id="888" r:id="rId17"/>
     <p:sldId id="889" r:id="rId18"/>
@@ -271,7 +271,7 @@
           <a:p>
             <a:fld id="{F319E496-E8FF-4856-B08F-DBE14D18B236}" type="datetimeFigureOut">
               <a:rPr lang="en-US" smtClean="0"/>
-              <a:t>8/6/2021</a:t>
+              <a:t>1/5/2022</a:t>
             </a:fld>
             <a:endParaRPr lang="en-US"/>
           </a:p>
@@ -448,7 +448,7 @@
           <a:p>
             <a:fld id="{4572F63B-EF0F-9942-98B2-F67CC88AF236}" type="datetimeFigureOut">
               <a:rPr lang="en-US" smtClean="0"/>
-              <a:t>8/6/2021</a:t>
+              <a:t>1/5/2022</a:t>
             </a:fld>
             <a:endParaRPr lang="en-US"/>
           </a:p>
@@ -786,13 +786,8 @@
             </a:pPr>
             <a:r>
               <a:rPr lang="en-ZA" altLang="zh-CN" dirty="0"/>
-              <a:t>Introduction. Also an opportunity to talk a bit about </a:t>
-            </a:r>
-            <a:r>
-              <a:rPr lang="en-ZA" altLang="zh-CN" dirty="0" err="1"/>
-              <a:t>Demix</a:t>
-            </a:r>
-            <a:endParaRPr lang="en-ZA" altLang="zh-CN" dirty="0"/>
+              <a:t>Introduction. Also an opportunity to talk a bit about Demix</a:t>
+            </a:r>
           </a:p>
           <a:p>
             <a:pPr marL="171450" marR="0" indent="-171450" algn="l" defTabSz="914400" rtl="0" eaLnBrk="0" fontAlgn="base" latinLnBrk="0" hangingPunct="0">
@@ -813,20 +808,8 @@
               <a:defRPr/>
             </a:pPr>
             <a:r>
-              <a:rPr lang="en-ZA" altLang="zh-CN" dirty="0" err="1"/>
-              <a:t>Demix</a:t>
-            </a:r>
-            <a:r>
               <a:rPr lang="en-ZA" altLang="zh-CN" dirty="0"/>
-              <a:t> has </a:t>
-            </a:r>
-            <a:r>
-              <a:rPr lang="en-ZA" altLang="zh-CN" dirty="0" err="1"/>
-              <a:t>LAs</a:t>
-            </a:r>
-            <a:r>
-              <a:rPr lang="en-ZA" altLang="zh-CN" dirty="0"/>
-              <a:t> from across the globe and performs appraisals around the world</a:t>
+              <a:t>Demix has LAs from across the globe and performs appraisals around the world</a:t>
             </a:r>
           </a:p>
           <a:p>
@@ -848,16 +831,8 @@
               <a:defRPr/>
             </a:pPr>
             <a:r>
-              <a:rPr lang="en-ZA" altLang="zh-CN" dirty="0" err="1"/>
-              <a:t>Demix</a:t>
-            </a:r>
-            <a:r>
               <a:rPr lang="en-ZA" altLang="zh-CN" dirty="0"/>
-              <a:t> is one of the largest CMMI services </a:t>
-            </a:r>
-            <a:r>
-              <a:rPr lang="en-ZA" altLang="zh-CN"/>
-              <a:t>providers globally</a:t>
+              <a:t>Demix is one of the largest CMMI services providers globally</a:t>
             </a:r>
           </a:p>
           <a:p>
@@ -879,12 +854,8 @@
               <a:defRPr/>
             </a:pPr>
             <a:r>
-              <a:rPr lang="en-ZA" altLang="zh-CN"/>
-              <a:t>Demix</a:t>
-            </a:r>
-            <a:r>
               <a:rPr lang="en-ZA" altLang="zh-CN" dirty="0"/>
-              <a:t> also provide other citification services, such as ISO, COBIT, MAX</a:t>
+              <a:t>Demix also provide other citification services, such as ISO, COBIT, MAX</a:t>
             </a:r>
           </a:p>
           <a:p>
@@ -1033,16 +1004,16 @@
           <a:lstStyle/>
           <a:p>
             <a:r>
-              <a:rPr lang="en-US"/>
+              <a:rPr lang="en-US" dirty="0"/>
               <a:t>Information in this section should come from the appraisal plan. The idea here is not to duplicate the contents of the plan, but to provide a summary for the Appraisal Sponsor, and the personnel from the OU who will see these findings.</a:t>
             </a:r>
           </a:p>
           <a:p>
-            <a:endParaRPr lang="en-US"/>
-          </a:p>
-          <a:p>
-            <a:r>
-              <a:rPr lang="en-US"/>
+            <a:endParaRPr lang="en-US" dirty="0"/>
+          </a:p>
+          <a:p>
+            <a:r>
+              <a:rPr lang="en-US" dirty="0"/>
               <a:t>The ATL may add additional information to the final findings presentation, but this minimum content must be present.</a:t>
             </a:r>
           </a:p>
@@ -1067,7 +1038,7 @@
               <a:rPr lang="en-US" smtClean="0"/>
               <a:t>3</a:t>
             </a:fld>
-            <a:endParaRPr lang="en-US"/>
+            <a:endParaRPr lang="en-US" dirty="0"/>
           </a:p>
         </p:txBody>
       </p:sp>
@@ -1854,7 +1825,7 @@
               </a14:hiddenLine>
             </a:ext>
             <a:ext uri="{FAA26D3D-D897-4be2-8F04-BA451C77F1D7}">
-              <ma14:placeholderFlag xmlns="" xmlns:ma14="http://schemas.microsoft.com/office/mac/drawingml/2011/main" val="1"/>
+              <ma14:placeholderFlag xmlns:ma14="http://schemas.microsoft.com/office/mac/drawingml/2011/main" xmlns="" val="1"/>
             </a:ext>
           </a:extLst>
         </p:spPr>
@@ -4473,7 +4444,7 @@
                 <a:ea typeface="+mn-ea"/>
                 <a:cs typeface="+mn-cs"/>
               </a:rPr>
-              <a:t>© ISACA 2021. All Rights Reserved.​</a:t>
+              <a:t>© ISACA 2022. All Rights Reserved.​</a:t>
             </a:r>
             <a:r>
               <a:rPr lang="en-US" dirty="0"/>
@@ -4632,14 +4603,14 @@
           </a:ln>
           <a:extLst>
             <a:ext uri="{909E8E84-426E-40dd-AFC4-6F175D3DCCD1}">
-              <a14:hiddenFill xmlns:a14="http://schemas.microsoft.com/office/drawing/2010/main" xmlns="">
+              <a14:hiddenFill xmlns="" xmlns:a14="http://schemas.microsoft.com/office/drawing/2010/main">
                 <a:solidFill>
                   <a:schemeClr val="accent1"/>
                 </a:solidFill>
               </a14:hiddenFill>
             </a:ext>
             <a:ext uri="{91240B29-F687-4f45-9708-019B960494DF}">
-              <a14:hiddenLine xmlns:a14="http://schemas.microsoft.com/office/drawing/2010/main" xmlns="" w="9525">
+              <a14:hiddenLine xmlns="" xmlns:a14="http://schemas.microsoft.com/office/drawing/2010/main" w="9525">
                 <a:solidFill>
                   <a:schemeClr val="tx1"/>
                 </a:solidFill>
@@ -5136,12 +5107,12 @@
           <a:graphicData uri="http://schemas.openxmlformats.org/presentationml/2006/ole">
             <mc:AlternateContent xmlns:mc="http://schemas.openxmlformats.org/markup-compatibility/2006">
               <mc:Choice xmlns:v="urn:schemas-microsoft-com:vml" Requires="v">
-                <p:oleObj name="Macro-Enabled Worksheet" r:id="rId2" imgW="5057763" imgH="2971715" progId="Excel.SheetMacroEnabled.12">
+                <p:oleObj spid="_x0000_s2053" name="Macro-Enabled Worksheet" r:id="rId3" imgW="5057763" imgH="2971715" progId="Excel.SheetMacroEnabled.12">
                   <p:link updateAutomatic="1"/>
                 </p:oleObj>
               </mc:Choice>
               <mc:Fallback>
-                <p:oleObj name="Macro-Enabled Worksheet" r:id="rId2" imgW="5057763" imgH="2971715" progId="Excel.SheetMacroEnabled.12">
+                <p:oleObj name="Macro-Enabled Worksheet" r:id="rId3" imgW="5057763" imgH="2971715" progId="Excel.SheetMacroEnabled.12">
                   <p:link updateAutomatic="1"/>
                   <p:pic>
                     <p:nvPicPr>
@@ -5156,7 +5127,7 @@
                       <p:nvPr/>
                     </p:nvPicPr>
                     <p:blipFill>
-                      <a:blip r:embed="rId3"/>
+                      <a:blip r:embed="rId4"/>
                       <a:stretch>
                         <a:fillRect/>
                       </a:stretch>
@@ -5205,12 +5176,12 @@
           <a:graphicData uri="http://schemas.openxmlformats.org/presentationml/2006/ole">
             <mc:AlternateContent xmlns:mc="http://schemas.openxmlformats.org/markup-compatibility/2006">
               <mc:Choice xmlns:v="urn:schemas-microsoft-com:vml" Requires="v">
-                <p:oleObj name="Macro-Enabled Worksheet" r:id="rId4" imgW="5057763" imgH="676332" progId="Excel.SheetMacroEnabled.12">
+                <p:oleObj spid="_x0000_s2054" name="Macro-Enabled Worksheet" r:id="rId5" imgW="5057763" imgH="676332" progId="Excel.SheetMacroEnabled.12">
                   <p:link updateAutomatic="1"/>
                 </p:oleObj>
               </mc:Choice>
               <mc:Fallback>
-                <p:oleObj name="Macro-Enabled Worksheet" r:id="rId4" imgW="5057763" imgH="676332" progId="Excel.SheetMacroEnabled.12">
+                <p:oleObj name="Macro-Enabled Worksheet" r:id="rId5" imgW="5057763" imgH="676332" progId="Excel.SheetMacroEnabled.12">
                   <p:link updateAutomatic="1"/>
                   <p:pic>
                     <p:nvPicPr>
@@ -5225,7 +5196,7 @@
                       <p:nvPr/>
                     </p:nvPicPr>
                     <p:blipFill>
-                      <a:blip r:embed="rId5"/>
+                      <a:blip r:embed="rId6"/>
                       <a:stretch>
                         <a:fillRect/>
                       </a:stretch>
@@ -5274,12 +5245,12 @@
           <a:graphicData uri="http://schemas.openxmlformats.org/presentationml/2006/ole">
             <mc:AlternateContent xmlns:mc="http://schemas.openxmlformats.org/markup-compatibility/2006">
               <mc:Choice xmlns:v="urn:schemas-microsoft-com:vml" Requires="v">
-                <p:oleObj name="Macro-Enabled Worksheet" r:id="rId6" imgW="5057763" imgH="276367" progId="Excel.SheetMacroEnabled.12">
+                <p:oleObj spid="_x0000_s2055" name="Macro-Enabled Worksheet" r:id="rId7" imgW="5057763" imgH="276367" progId="Excel.SheetMacroEnabled.12">
                   <p:link updateAutomatic="1"/>
                 </p:oleObj>
               </mc:Choice>
               <mc:Fallback>
-                <p:oleObj name="Macro-Enabled Worksheet" r:id="rId6" imgW="5057763" imgH="276367" progId="Excel.SheetMacroEnabled.12">
+                <p:oleObj name="Macro-Enabled Worksheet" r:id="rId7" imgW="5057763" imgH="276367" progId="Excel.SheetMacroEnabled.12">
                   <p:link updateAutomatic="1"/>
                   <p:pic>
                     <p:nvPicPr>
@@ -5294,7 +5265,7 @@
                       <p:nvPr/>
                     </p:nvPicPr>
                     <p:blipFill>
-                      <a:blip r:embed="rId7"/>
+                      <a:blip r:embed="rId8"/>
                       <a:stretch>
                         <a:fillRect/>
                       </a:stretch>
@@ -5650,11 +5621,17 @@
             </a:br>
             <a:r>
               <a:rPr lang="zh-CN" altLang="en-US" sz="6000" b="1" dirty="0">
+                <a:solidFill>
+                  <a:srgbClr val="1F497D"/>
+                </a:solidFill>
                 <a:latin typeface="+mn-lt"/>
               </a:rPr>
               <a:t>实践域发现</a:t>
             </a:r>
             <a:endParaRPr lang="en-US" b="1" dirty="0">
+              <a:solidFill>
+                <a:srgbClr val="1F497D"/>
+              </a:solidFill>
               <a:latin typeface="+mn-lt"/>
             </a:endParaRPr>
           </a:p>
@@ -5663,7 +5640,7 @@
     </p:spTree>
     <p:extLst>
       <p:ext uri="{BB962C8B-B14F-4D97-AF65-F5344CB8AC3E}">
-        <p14:creationId xmlns:p14="http://schemas.microsoft.com/office/powerpoint/2010/main" val="1701387909"/>
+        <p14:creationId xmlns:p14="http://schemas.microsoft.com/office/powerpoint/2010/main" val="1002676547"/>
       </p:ext>
     </p:extLst>
   </p:cSld>
@@ -5858,6 +5835,8 @@
                 <a:solidFill>
                   <a:srgbClr val="1F497D"/>
                 </a:solidFill>
+                <a:latin typeface="DengXian" panose="02010600030101010101" pitchFamily="2" charset="-122"/>
+                <a:ea typeface="DengXian" panose="02010600030101010101" pitchFamily="2" charset="-122"/>
               </a:rPr>
               <a:t>强项</a:t>
             </a:r>
@@ -5881,6 +5860,8 @@
                 <a:solidFill>
                   <a:srgbClr val="1F497D"/>
                 </a:solidFill>
+                <a:latin typeface="DengXian" panose="02010600030101010101" pitchFamily="2" charset="-122"/>
+                <a:ea typeface="DengXian" panose="02010600030101010101" pitchFamily="2" charset="-122"/>
               </a:rPr>
               <a:t>没有</a:t>
             </a:r>
@@ -5888,6 +5869,8 @@
               <a:solidFill>
                 <a:srgbClr val="1F497D"/>
               </a:solidFill>
+              <a:latin typeface="DengXian" panose="02010600030101010101" pitchFamily="2" charset="-122"/>
+              <a:ea typeface="DengXian" panose="02010600030101010101" pitchFamily="2" charset="-122"/>
             </a:endParaRPr>
           </a:p>
           <a:p>
@@ -5902,12 +5885,14 @@
               <a:t>Weaknesses </a:t>
             </a:r>
             <a:r>
-              <a:rPr lang="ja-JP" altLang="en-US" sz="1800" b="1" dirty="0">
-                <a:solidFill>
-                  <a:srgbClr val="1F497D"/>
-                </a:solidFill>
-              </a:rPr>
-              <a:t>弱点</a:t>
+              <a:rPr lang="zh-CN" altLang="en-US" sz="1800" dirty="0">
+                <a:solidFill>
+                  <a:srgbClr val="1F497D"/>
+                </a:solidFill>
+                <a:latin typeface="DengXian" panose="02010600030101010101" pitchFamily="2" charset="-122"/>
+                <a:ea typeface="DengXian" panose="02010600030101010101" pitchFamily="2" charset="-122"/>
+              </a:rPr>
+              <a:t>弱项</a:t>
             </a:r>
             <a:r>
               <a:rPr lang="en-US" altLang="ja-JP" sz="1800" b="1" dirty="0"/>
@@ -6223,6 +6208,8 @@
                 <a:solidFill>
                   <a:srgbClr val="1F497D"/>
                 </a:solidFill>
+                <a:latin typeface="DengXian" panose="02010600030101010101" pitchFamily="2" charset="-122"/>
+                <a:ea typeface="DengXian" panose="02010600030101010101" pitchFamily="2" charset="-122"/>
               </a:rPr>
               <a:t>强项</a:t>
             </a:r>
@@ -6310,12 +6297,14 @@
               <a:t>Weaknesses </a:t>
             </a:r>
             <a:r>
-              <a:rPr lang="ja-JP" altLang="en-US" sz="1800" b="1" dirty="0">
-                <a:solidFill>
-                  <a:srgbClr val="1F497D"/>
-                </a:solidFill>
-              </a:rPr>
-              <a:t>弱点</a:t>
+              <a:rPr lang="zh-CN" altLang="en-US" sz="1800" dirty="0">
+                <a:solidFill>
+                  <a:srgbClr val="1F497D"/>
+                </a:solidFill>
+                <a:latin typeface="DengXian" panose="02010600030101010101" pitchFamily="2" charset="-122"/>
+                <a:ea typeface="DengXian" panose="02010600030101010101" pitchFamily="2" charset="-122"/>
+              </a:rPr>
+              <a:t>弱项</a:t>
             </a:r>
             <a:r>
               <a:rPr lang="en-US" altLang="ja-JP" sz="1800" b="1" dirty="0"/>
@@ -6584,13 +6573,15 @@
             </a:pPr>
             <a:r>
               <a:rPr lang="en-US" sz="1800" b="1" dirty="0"/>
-              <a:t>Strengths</a:t>
+              <a:t>Strengths </a:t>
             </a:r>
             <a:r>
               <a:rPr lang="ja-JP" altLang="en-US" sz="1800" b="1" dirty="0">
                 <a:solidFill>
                   <a:srgbClr val="1F497D"/>
                 </a:solidFill>
+                <a:latin typeface="DengXian" panose="02010600030101010101" pitchFamily="2" charset="-122"/>
+                <a:ea typeface="DengXian" panose="02010600030101010101" pitchFamily="2" charset="-122"/>
               </a:rPr>
               <a:t>强项</a:t>
             </a:r>
@@ -6669,15 +6660,17 @@
             </a:pPr>
             <a:r>
               <a:rPr lang="en-US" sz="1800" b="1" dirty="0"/>
-              <a:t>Weaknesses</a:t>
-            </a:r>
-            <a:r>
-              <a:rPr lang="ja-JP" altLang="en-US" sz="1800" b="1" dirty="0">
-                <a:solidFill>
-                  <a:srgbClr val="1F497D"/>
-                </a:solidFill>
-              </a:rPr>
-              <a:t>弱点</a:t>
+              <a:t>Weaknesses </a:t>
+            </a:r>
+            <a:r>
+              <a:rPr lang="zh-CN" altLang="en-US" sz="1800" dirty="0">
+                <a:solidFill>
+                  <a:srgbClr val="1F497D"/>
+                </a:solidFill>
+                <a:latin typeface="DengXian" panose="02010600030101010101" pitchFamily="2" charset="-122"/>
+                <a:ea typeface="DengXian" panose="02010600030101010101" pitchFamily="2" charset="-122"/>
+              </a:rPr>
+              <a:t>弱项</a:t>
             </a:r>
             <a:r>
               <a:rPr lang="en-US" altLang="ja-JP" sz="1800" b="1" dirty="0"/>
@@ -6936,13 +6929,15 @@
             </a:pPr>
             <a:r>
               <a:rPr lang="en-US" sz="1800" b="1" dirty="0"/>
-              <a:t>Strengths</a:t>
+              <a:t>Strengths </a:t>
             </a:r>
             <a:r>
               <a:rPr lang="ja-JP" altLang="en-US" sz="1800" b="1" dirty="0">
                 <a:solidFill>
                   <a:srgbClr val="1F497D"/>
                 </a:solidFill>
+                <a:latin typeface="DengXian" panose="02010600030101010101" pitchFamily="2" charset="-122"/>
+                <a:ea typeface="DengXian" panose="02010600030101010101" pitchFamily="2" charset="-122"/>
               </a:rPr>
               <a:t>强项</a:t>
             </a:r>
@@ -7019,15 +7014,17 @@
             </a:pPr>
             <a:r>
               <a:rPr lang="en-US" sz="1800" b="1" dirty="0"/>
-              <a:t>Weaknesses</a:t>
-            </a:r>
-            <a:r>
-              <a:rPr lang="ja-JP" altLang="en-US" sz="1800" b="1" dirty="0">
-                <a:solidFill>
-                  <a:srgbClr val="1F497D"/>
-                </a:solidFill>
-              </a:rPr>
-              <a:t>弱点</a:t>
+              <a:t>Weaknesses </a:t>
+            </a:r>
+            <a:r>
+              <a:rPr lang="zh-CN" altLang="en-US" sz="1800" dirty="0">
+                <a:solidFill>
+                  <a:srgbClr val="1F497D"/>
+                </a:solidFill>
+                <a:latin typeface="DengXian" panose="02010600030101010101" pitchFamily="2" charset="-122"/>
+                <a:ea typeface="DengXian" panose="02010600030101010101" pitchFamily="2" charset="-122"/>
+              </a:rPr>
+              <a:t>弱项</a:t>
             </a:r>
             <a:r>
               <a:rPr lang="en-US" altLang="ja-JP" sz="1800" b="1" dirty="0"/>
@@ -7295,20 +7292,25 @@
           </a:bodyPr>
           <a:lstStyle/>
           <a:p>
-            <a:r>
-              <a:rPr lang="en-US" sz="2000" dirty="0"/>
-              <a:t>Strengths</a:t>
-            </a:r>
-            <a:r>
-              <a:rPr lang="ja-JP" altLang="en-US" sz="2000" dirty="0">
-                <a:solidFill>
-                  <a:srgbClr val="1F497D"/>
-                </a:solidFill>
+            <a:pPr marL="0" indent="0">
+              <a:buNone/>
+            </a:pPr>
+            <a:r>
+              <a:rPr lang="en-US" sz="2000" b="1" dirty="0"/>
+              <a:t>Strengths </a:t>
+            </a:r>
+            <a:r>
+              <a:rPr lang="ja-JP" altLang="en-US" sz="2000" b="1" dirty="0">
+                <a:solidFill>
+                  <a:srgbClr val="1F497D"/>
+                </a:solidFill>
+                <a:latin typeface="DengXian" panose="02010600030101010101" pitchFamily="2" charset="-122"/>
+                <a:ea typeface="DengXian" panose="02010600030101010101" pitchFamily="2" charset="-122"/>
               </a:rPr>
               <a:t>强项</a:t>
             </a:r>
             <a:r>
-              <a:rPr lang="en-US" altLang="ja-JP" sz="2000" dirty="0"/>
+              <a:rPr lang="en-US" altLang="ja-JP" sz="2000" b="1" dirty="0"/>
               <a:t>:</a:t>
             </a:r>
             <a:endParaRPr lang="en-US" sz="2000" dirty="0"/>
@@ -7340,20 +7342,25 @@
             <a:endParaRPr lang="en-US" sz="2000" dirty="0"/>
           </a:p>
           <a:p>
-            <a:r>
-              <a:rPr lang="en-US" sz="2000" dirty="0"/>
-              <a:t>Weaknesses</a:t>
-            </a:r>
-            <a:r>
-              <a:rPr lang="ja-JP" altLang="en-US" sz="2000" dirty="0">
-                <a:solidFill>
-                  <a:srgbClr val="1F497D"/>
-                </a:solidFill>
-              </a:rPr>
-              <a:t>弱点</a:t>
-            </a:r>
-            <a:r>
-              <a:rPr lang="en-US" altLang="ja-JP" sz="2000" dirty="0"/>
+            <a:pPr marL="0" indent="0">
+              <a:buNone/>
+            </a:pPr>
+            <a:r>
+              <a:rPr lang="en-US" sz="2000" b="1" dirty="0"/>
+              <a:t>Weaknesses </a:t>
+            </a:r>
+            <a:r>
+              <a:rPr lang="zh-CN" altLang="en-US" sz="2000" dirty="0">
+                <a:solidFill>
+                  <a:srgbClr val="1F497D"/>
+                </a:solidFill>
+                <a:latin typeface="DengXian" panose="02010600030101010101" pitchFamily="2" charset="-122"/>
+                <a:ea typeface="DengXian" panose="02010600030101010101" pitchFamily="2" charset="-122"/>
+              </a:rPr>
+              <a:t>弱项</a:t>
+            </a:r>
+            <a:r>
+              <a:rPr lang="en-US" altLang="ja-JP" sz="2000" b="1" dirty="0"/>
               <a:t>:</a:t>
             </a:r>
             <a:endParaRPr lang="en-US" sz="2000" dirty="0"/>
@@ -7472,23 +7479,28 @@
           </a:bodyPr>
           <a:lstStyle/>
           <a:p>
-            <a:r>
-              <a:rPr lang="en-US" dirty="0"/>
-              <a:t>Strengths</a:t>
-            </a:r>
-            <a:r>
-              <a:rPr lang="ja-JP" altLang="en-US" dirty="0">
-                <a:solidFill>
-                  <a:srgbClr val="1F497D"/>
-                </a:solidFill>
+            <a:pPr marL="0" indent="0">
+              <a:buNone/>
+            </a:pPr>
+            <a:r>
+              <a:rPr lang="en-US" sz="2400" b="1" dirty="0"/>
+              <a:t>Strengths </a:t>
+            </a:r>
+            <a:r>
+              <a:rPr lang="ja-JP" altLang="en-US" sz="2400" b="1" dirty="0">
+                <a:solidFill>
+                  <a:srgbClr val="1F497D"/>
+                </a:solidFill>
+                <a:latin typeface="DengXian" panose="02010600030101010101" pitchFamily="2" charset="-122"/>
+                <a:ea typeface="DengXian" panose="02010600030101010101" pitchFamily="2" charset="-122"/>
               </a:rPr>
               <a:t>强项</a:t>
             </a:r>
             <a:r>
-              <a:rPr lang="en-US" altLang="ja-JP" dirty="0"/>
+              <a:rPr lang="en-US" altLang="ja-JP" sz="2400" b="1" dirty="0"/>
               <a:t>:</a:t>
             </a:r>
-            <a:endParaRPr lang="en-US" dirty="0"/>
+            <a:endParaRPr lang="en-US" sz="2400" dirty="0"/>
           </a:p>
           <a:p>
             <a:pPr marL="342900" indent="-342900">
@@ -7525,20 +7537,25 @@
             </a:endParaRPr>
           </a:p>
           <a:p>
-            <a:r>
-              <a:rPr lang="en-US" sz="2000" dirty="0"/>
-              <a:t>Weaknesses</a:t>
-            </a:r>
-            <a:r>
-              <a:rPr lang="ja-JP" altLang="en-US" sz="2000" dirty="0">
-                <a:solidFill>
-                  <a:srgbClr val="1F497D"/>
-                </a:solidFill>
-              </a:rPr>
-              <a:t>弱点</a:t>
-            </a:r>
-            <a:r>
-              <a:rPr lang="en-US" altLang="ja-JP" sz="2000" dirty="0"/>
+            <a:pPr marL="0" indent="0">
+              <a:buNone/>
+            </a:pPr>
+            <a:r>
+              <a:rPr lang="en-US" sz="2000" b="1" dirty="0"/>
+              <a:t>Weaknesses </a:t>
+            </a:r>
+            <a:r>
+              <a:rPr lang="zh-CN" altLang="en-US" sz="2000" dirty="0">
+                <a:solidFill>
+                  <a:srgbClr val="1F497D"/>
+                </a:solidFill>
+                <a:latin typeface="DengXian" panose="02010600030101010101" pitchFamily="2" charset="-122"/>
+                <a:ea typeface="DengXian" panose="02010600030101010101" pitchFamily="2" charset="-122"/>
+              </a:rPr>
+              <a:t>弱项</a:t>
+            </a:r>
+            <a:r>
+              <a:rPr lang="en-US" altLang="ja-JP" sz="2000" b="1" dirty="0"/>
               <a:t>:</a:t>
             </a:r>
             <a:endParaRPr lang="en-US" sz="2000" dirty="0"/>
@@ -8033,23 +8050,28 @@
           </a:bodyPr>
           <a:lstStyle/>
           <a:p>
-            <a:r>
-              <a:rPr lang="en-US" dirty="0"/>
-              <a:t>Strengths</a:t>
-            </a:r>
-            <a:r>
-              <a:rPr lang="ja-JP" altLang="en-US" dirty="0">
-                <a:solidFill>
-                  <a:srgbClr val="1F497D"/>
-                </a:solidFill>
+            <a:pPr marL="0" indent="0">
+              <a:buNone/>
+            </a:pPr>
+            <a:r>
+              <a:rPr lang="en-US" sz="2400" b="1" dirty="0"/>
+              <a:t>Strengths </a:t>
+            </a:r>
+            <a:r>
+              <a:rPr lang="ja-JP" altLang="en-US" sz="2400" b="1" dirty="0">
+                <a:solidFill>
+                  <a:srgbClr val="1F497D"/>
+                </a:solidFill>
+                <a:latin typeface="DengXian" panose="02010600030101010101" pitchFamily="2" charset="-122"/>
+                <a:ea typeface="DengXian" panose="02010600030101010101" pitchFamily="2" charset="-122"/>
               </a:rPr>
               <a:t>强项</a:t>
             </a:r>
             <a:r>
-              <a:rPr lang="en-US" altLang="ja-JP" dirty="0"/>
+              <a:rPr lang="en-US" altLang="ja-JP" sz="2400" b="1" dirty="0"/>
               <a:t>:</a:t>
             </a:r>
-            <a:endParaRPr lang="en-US" dirty="0"/>
+            <a:endParaRPr lang="en-US" sz="2400" dirty="0"/>
           </a:p>
           <a:p>
             <a:pPr marL="342900" indent="-342900">
@@ -8403,12 +8425,6 @@
               </a:rPr>
               <a:t>将管理和改进工作集中在成本、进度和质量性能上，最大限度地提高业务投资回报。</a:t>
             </a:r>
-          </a:p>
-          <a:p>
-            <a:endParaRPr lang="en-US" sz="1800" dirty="0"/>
-          </a:p>
-          <a:p>
-            <a:endParaRPr lang="en-US" sz="1800" dirty="0"/>
           </a:p>
         </p:txBody>
       </p:sp>
@@ -8477,11 +8493,28 @@
             <a:endParaRPr lang="en-ZA" altLang="ja-JP" sz="2000" b="0" dirty="0"/>
           </a:p>
           <a:p>
-            <a:r>
-              <a:rPr lang="en-US" dirty="0"/>
-              <a:t>Weaknesses</a:t>
-            </a:r>
-            <a:endParaRPr lang="en-ZA" dirty="0"/>
+            <a:pPr marL="0" indent="0">
+              <a:buNone/>
+            </a:pPr>
+            <a:r>
+              <a:rPr lang="en-US" sz="2400" b="1" dirty="0"/>
+              <a:t>Weaknesses </a:t>
+            </a:r>
+            <a:r>
+              <a:rPr lang="zh-CN" altLang="en-US" sz="2400" dirty="0">
+                <a:solidFill>
+                  <a:srgbClr val="1F497D"/>
+                </a:solidFill>
+                <a:latin typeface="DengXian" panose="02010600030101010101" pitchFamily="2" charset="-122"/>
+                <a:ea typeface="DengXian" panose="02010600030101010101" pitchFamily="2" charset="-122"/>
+              </a:rPr>
+              <a:t>弱项</a:t>
+            </a:r>
+            <a:r>
+              <a:rPr lang="en-US" altLang="ja-JP" sz="2400" b="1" dirty="0"/>
+              <a:t>:</a:t>
+            </a:r>
+            <a:endParaRPr lang="en-US" sz="2400" dirty="0"/>
           </a:p>
           <a:p>
             <a:pPr marL="342900" indent="-342900">
@@ -8953,7 +8986,7 @@
         </p:nvSpPr>
         <p:spPr bwMode="auto">
           <a:xfrm>
-            <a:off x="683050" y="1666284"/>
+            <a:off x="756500" y="1613732"/>
             <a:ext cx="10825900" cy="4524315"/>
           </a:xfrm>
           <a:prstGeom prst="rect">
@@ -9099,7 +9132,7 @@
             <a:r>
               <a:rPr lang="en-ZA" altLang="zh-CN" sz="1600" b="1" dirty="0">
                 <a:solidFill>
-                  <a:srgbClr val="0070C0"/>
+                  <a:srgbClr val="1F497D"/>
                 </a:solidFill>
                 <a:latin typeface="+mn-lt"/>
               </a:rPr>
@@ -9245,16 +9278,10 @@
               <a:t>模型执行概要中所描述的，</a:t>
             </a:r>
             <a:r>
-              <a:rPr lang="en-ZA" sz="1600" dirty="0" err="1">
-                <a:latin typeface="+mn-lt"/>
-              </a:rPr>
-              <a:t>CMMI（Capability</a:t>
-            </a:r>
-            <a:r>
               <a:rPr lang="en-ZA" sz="1600" dirty="0">
                 <a:latin typeface="+mn-lt"/>
               </a:rPr>
-              <a:t> Maturity Model Integration）</a:t>
+              <a:t>CMMI（Capability Maturity Model Integration）</a:t>
             </a:r>
             <a:r>
               <a:rPr lang="zh-CN" altLang="en-US" sz="1600" dirty="0">
@@ -9367,108 +9394,81 @@
           </a:p>
           <a:p>
             <a:r>
-              <a:rPr lang="en-ZA" altLang="zh-CN" sz="1600" u="sng" dirty="0">
-                <a:solidFill>
-                  <a:srgbClr val="0070C0"/>
+              <a:rPr lang="en-ZA" altLang="zh-CN" sz="1600" b="1" dirty="0">
+                <a:solidFill>
+                  <a:srgbClr val="1F497D"/>
                 </a:solidFill>
                 <a:latin typeface="+mn-lt"/>
               </a:rPr>
-              <a:t>Note</a:t>
-            </a:r>
-            <a:r>
-              <a:rPr lang="en-ZA" altLang="zh-CN" sz="1600" dirty="0">
-                <a:solidFill>
-                  <a:srgbClr val="0070C0"/>
+              <a:t>Note:</a:t>
+            </a:r>
+            <a:r>
+              <a:rPr lang="zh-CN" altLang="en-US" sz="1600" b="1" dirty="0">
+                <a:solidFill>
+                  <a:srgbClr val="1F497D"/>
                 </a:solidFill>
                 <a:latin typeface="+mn-lt"/>
               </a:rPr>
-              <a:t>:</a:t>
-            </a:r>
-            <a:r>
-              <a:rPr lang="zh-CN" altLang="en-US" sz="1600" dirty="0">
-                <a:solidFill>
-                  <a:srgbClr val="0070C0"/>
-                </a:solidFill>
-                <a:latin typeface="+mn-lt"/>
-              </a:rPr>
               <a:t>注：</a:t>
             </a:r>
-            <a:endParaRPr lang="en-ZA" altLang="zh-CN" sz="1600" dirty="0">
+            <a:endParaRPr lang="en-ZA" altLang="zh-CN" sz="1600" b="1" dirty="0">
               <a:solidFill>
-                <a:srgbClr val="0070C0"/>
+                <a:srgbClr val="1F497D"/>
               </a:solidFill>
               <a:latin typeface="+mn-lt"/>
             </a:endParaRPr>
           </a:p>
           <a:p>
             <a:r>
-              <a:rPr lang="en-ZA" altLang="zh-CN" sz="1600" dirty="0">
-                <a:solidFill>
-                  <a:srgbClr val="0070C0"/>
+              <a:rPr lang="en-ZA" altLang="zh-CN" sz="1600" b="1" dirty="0">
+                <a:solidFill>
+                  <a:srgbClr val="1F497D"/>
                 </a:solidFill>
                 <a:latin typeface="+mn-lt"/>
               </a:rPr>
-              <a:t>With the above as background, refence to </a:t>
-            </a:r>
-            <a:r>
-              <a:rPr lang="en-ZA" altLang="zh-CN" sz="1600" b="1" dirty="0">
-                <a:solidFill>
-                  <a:srgbClr val="0070C0"/>
+              <a:t>With the above as background, refence to CMMI is now only used in relation to the model and its use, and not as an organization anymore. </a:t>
+            </a:r>
+          </a:p>
+          <a:p>
+            <a:r>
+              <a:rPr lang="zh-CN" altLang="en-US" sz="1600" b="1" dirty="0">
+                <a:solidFill>
+                  <a:srgbClr val="1F497D"/>
                 </a:solidFill>
                 <a:latin typeface="+mn-lt"/>
               </a:rPr>
-              <a:t>CMMI is now only used in relation to the model </a:t>
-            </a:r>
-            <a:r>
-              <a:rPr lang="en-ZA" altLang="zh-CN" sz="1600" dirty="0">
-                <a:solidFill>
-                  <a:srgbClr val="0070C0"/>
+              <a:t>在上述背景下，现在对于</a:t>
+            </a:r>
+            <a:r>
+              <a:rPr lang="en-US" altLang="zh-CN" sz="1600" b="1" dirty="0">
+                <a:solidFill>
+                  <a:srgbClr val="1F497D"/>
                 </a:solidFill>
                 <a:latin typeface="+mn-lt"/>
               </a:rPr>
-              <a:t>and its use, and not as an organization anymore. </a:t>
-            </a:r>
-          </a:p>
-          <a:p>
-            <a:r>
-              <a:rPr lang="zh-CN" altLang="en-US" sz="1600" dirty="0">
-                <a:solidFill>
-                  <a:srgbClr val="0070C0"/>
+              <a:t>CMMI</a:t>
+            </a:r>
+            <a:r>
+              <a:rPr lang="zh-CN" altLang="en-US" sz="1600" b="1" dirty="0">
+                <a:solidFill>
+                  <a:srgbClr val="1F497D"/>
                 </a:solidFill>
                 <a:latin typeface="+mn-lt"/>
               </a:rPr>
-              <a:t>在上述背景下，现在对于</a:t>
-            </a:r>
-            <a:r>
-              <a:rPr lang="en-US" altLang="zh-CN" sz="1600" dirty="0">
-                <a:solidFill>
-                  <a:srgbClr val="0070C0"/>
-                </a:solidFill>
-                <a:latin typeface="+mn-lt"/>
-              </a:rPr>
-              <a:t>CMMI</a:t>
-            </a:r>
-            <a:r>
-              <a:rPr lang="zh-CN" altLang="en-US" sz="1600" dirty="0">
-                <a:solidFill>
-                  <a:srgbClr val="0070C0"/>
-                </a:solidFill>
-                <a:latin typeface="+mn-lt"/>
-              </a:rPr>
               <a:t>的引用只涉及模型本身及其使用，而不再视之为一个组织。</a:t>
             </a:r>
-            <a:endParaRPr lang="en-ZA" altLang="zh-CN" sz="1600" dirty="0">
+            <a:endParaRPr lang="en-ZA" altLang="zh-CN" sz="1600" b="1" dirty="0">
               <a:solidFill>
-                <a:srgbClr val="0070C0"/>
+                <a:srgbClr val="1F497D"/>
               </a:solidFill>
               <a:latin typeface="+mn-lt"/>
             </a:endParaRPr>
           </a:p>
           <a:p>
             <a:r>
-              <a:rPr lang="en-ZA" sz="1600" b="0" i="0" u="none" strike="noStrike" baseline="0" dirty="0">
-                <a:solidFill>
-                  <a:srgbClr val="0070C0"/>
+              <a:rPr lang="en-ZA" sz="1600" b="1" dirty="0">
+                <a:solidFill>
+                  <a:srgbClr val="1F497D"/>
                 </a:solidFill>
                 <a:latin typeface="+mn-lt"/>
               </a:rPr>
@@ -9477,44 +9477,44 @@
           </a:p>
           <a:p>
             <a:r>
-              <a:rPr lang="en-US" altLang="zh-CN" sz="1600" dirty="0">
-                <a:solidFill>
-                  <a:srgbClr val="0070C0"/>
+              <a:rPr lang="en-US" altLang="zh-CN" sz="1600" b="1" dirty="0">
+                <a:solidFill>
+                  <a:srgbClr val="1F497D"/>
                 </a:solidFill>
                 <a:latin typeface="+mn-lt"/>
               </a:rPr>
               <a:t>ISACA</a:t>
             </a:r>
             <a:r>
-              <a:rPr lang="zh-CN" altLang="en-US" sz="1600" dirty="0">
-                <a:solidFill>
-                  <a:srgbClr val="0070C0"/>
+              <a:rPr lang="zh-CN" altLang="en-US" sz="1600" b="1" dirty="0">
+                <a:solidFill>
+                  <a:srgbClr val="1F497D"/>
                 </a:solidFill>
                 <a:latin typeface="+mn-lt"/>
               </a:rPr>
               <a:t>拥有</a:t>
             </a:r>
             <a:r>
-              <a:rPr lang="en-US" altLang="zh-CN" sz="1600" dirty="0">
-                <a:solidFill>
-                  <a:srgbClr val="0070C0"/>
+              <a:rPr lang="en-US" altLang="zh-CN" sz="1600" b="1" dirty="0">
+                <a:solidFill>
+                  <a:srgbClr val="1F497D"/>
                 </a:solidFill>
                 <a:latin typeface="+mn-lt"/>
               </a:rPr>
               <a:t>CMMI</a:t>
             </a:r>
             <a:r>
-              <a:rPr lang="zh-CN" altLang="en-US" sz="1600" dirty="0">
-                <a:solidFill>
-                  <a:srgbClr val="0070C0"/>
+              <a:rPr lang="zh-CN" altLang="en-US" sz="1600" b="1" dirty="0">
+                <a:solidFill>
+                  <a:srgbClr val="1F497D"/>
                 </a:solidFill>
                 <a:latin typeface="+mn-lt"/>
               </a:rPr>
               <a:t>的内容的所有版权、商标及所有其他知识产权。</a:t>
             </a:r>
-            <a:endParaRPr lang="en-ZA" altLang="zh-CN" sz="1600" dirty="0">
+            <a:endParaRPr lang="en-ZA" altLang="zh-CN" sz="1600" b="1" dirty="0">
               <a:solidFill>
-                <a:srgbClr val="0070C0"/>
+                <a:srgbClr val="1F497D"/>
               </a:solidFill>
               <a:latin typeface="+mn-lt"/>
             </a:endParaRPr>
@@ -9666,7 +9666,7 @@
     </p:spTree>
     <p:extLst>
       <p:ext uri="{BB962C8B-B14F-4D97-AF65-F5344CB8AC3E}">
-        <p14:creationId xmlns:p14="http://schemas.microsoft.com/office/powerpoint/2010/main" val="1200733486"/>
+        <p14:creationId xmlns:p14="http://schemas.microsoft.com/office/powerpoint/2010/main" val="3513404221"/>
       </p:ext>
     </p:extLst>
   </p:cSld>
@@ -9845,20 +9845,25 @@
           </a:bodyPr>
           <a:lstStyle/>
           <a:p>
-            <a:r>
-              <a:rPr lang="en-US" sz="1800" dirty="0"/>
-              <a:t>Strengths</a:t>
-            </a:r>
-            <a:r>
-              <a:rPr lang="ja-JP" altLang="en-US" sz="1800" dirty="0">
-                <a:solidFill>
-                  <a:srgbClr val="1F497D"/>
-                </a:solidFill>
+            <a:pPr marL="0" indent="0">
+              <a:buNone/>
+            </a:pPr>
+            <a:r>
+              <a:rPr lang="en-US" sz="1800" b="1" dirty="0"/>
+              <a:t>Strengths </a:t>
+            </a:r>
+            <a:r>
+              <a:rPr lang="ja-JP" altLang="en-US" sz="1800" b="1" dirty="0">
+                <a:solidFill>
+                  <a:srgbClr val="1F497D"/>
+                </a:solidFill>
+                <a:latin typeface="DengXian" panose="02010600030101010101" pitchFamily="2" charset="-122"/>
+                <a:ea typeface="DengXian" panose="02010600030101010101" pitchFamily="2" charset="-122"/>
               </a:rPr>
               <a:t>强项</a:t>
             </a:r>
             <a:r>
-              <a:rPr lang="en-US" altLang="ja-JP" sz="1800" dirty="0"/>
+              <a:rPr lang="en-US" altLang="ja-JP" sz="1800" b="1" dirty="0"/>
               <a:t>:</a:t>
             </a:r>
             <a:endParaRPr lang="en-US" sz="1800" dirty="0"/>
@@ -9901,20 +9906,25 @@
             </a:endParaRPr>
           </a:p>
           <a:p>
-            <a:r>
-              <a:rPr lang="en-US" sz="1800" dirty="0"/>
-              <a:t>Weaknesses</a:t>
-            </a:r>
-            <a:r>
-              <a:rPr lang="ja-JP" altLang="en-US" sz="1800" dirty="0">
-                <a:solidFill>
-                  <a:srgbClr val="1F497D"/>
-                </a:solidFill>
-              </a:rPr>
-              <a:t>弱点</a:t>
-            </a:r>
-            <a:r>
-              <a:rPr lang="en-US" altLang="ja-JP" sz="1800" dirty="0"/>
+            <a:pPr marL="0" indent="0">
+              <a:buNone/>
+            </a:pPr>
+            <a:r>
+              <a:rPr lang="en-US" sz="1800" b="1" dirty="0"/>
+              <a:t>Weaknesses </a:t>
+            </a:r>
+            <a:r>
+              <a:rPr lang="zh-CN" altLang="en-US" sz="1800" dirty="0">
+                <a:solidFill>
+                  <a:srgbClr val="1F497D"/>
+                </a:solidFill>
+                <a:latin typeface="DengXian" panose="02010600030101010101" pitchFamily="2" charset="-122"/>
+                <a:ea typeface="DengXian" panose="02010600030101010101" pitchFamily="2" charset="-122"/>
+              </a:rPr>
+              <a:t>弱项</a:t>
+            </a:r>
+            <a:r>
+              <a:rPr lang="en-US" altLang="ja-JP" sz="1800" b="1" dirty="0"/>
               <a:t>:</a:t>
             </a:r>
             <a:endParaRPr lang="en-US" sz="1800" dirty="0"/>
@@ -10165,20 +10175,25 @@
           </a:bodyPr>
           <a:lstStyle/>
           <a:p>
-            <a:r>
-              <a:rPr lang="en-US" sz="1800" dirty="0"/>
-              <a:t>Strengths</a:t>
-            </a:r>
-            <a:r>
-              <a:rPr lang="ja-JP" altLang="en-US" sz="1800" dirty="0">
-                <a:solidFill>
-                  <a:srgbClr val="1F497D"/>
-                </a:solidFill>
+            <a:pPr marL="0" indent="0">
+              <a:buNone/>
+            </a:pPr>
+            <a:r>
+              <a:rPr lang="en-US" sz="1800" b="1" dirty="0"/>
+              <a:t>Strengths </a:t>
+            </a:r>
+            <a:r>
+              <a:rPr lang="ja-JP" altLang="en-US" sz="1800" b="1" dirty="0">
+                <a:solidFill>
+                  <a:srgbClr val="1F497D"/>
+                </a:solidFill>
+                <a:latin typeface="DengXian" panose="02010600030101010101" pitchFamily="2" charset="-122"/>
+                <a:ea typeface="DengXian" panose="02010600030101010101" pitchFamily="2" charset="-122"/>
               </a:rPr>
               <a:t>强项</a:t>
             </a:r>
             <a:r>
-              <a:rPr lang="en-US" altLang="ja-JP" sz="1800" dirty="0"/>
+              <a:rPr lang="en-US" altLang="ja-JP" sz="1800" b="1" dirty="0"/>
               <a:t>:</a:t>
             </a:r>
             <a:endParaRPr lang="en-US" sz="1800" dirty="0"/>
@@ -10255,20 +10270,25 @@
             </a:endParaRPr>
           </a:p>
           <a:p>
-            <a:r>
-              <a:rPr lang="en-US" sz="1800" dirty="0"/>
-              <a:t>Weaknesses</a:t>
-            </a:r>
-            <a:r>
-              <a:rPr lang="ja-JP" altLang="en-US" sz="1800" dirty="0">
-                <a:solidFill>
-                  <a:srgbClr val="1F497D"/>
-                </a:solidFill>
-              </a:rPr>
-              <a:t>弱点</a:t>
-            </a:r>
-            <a:r>
-              <a:rPr lang="en-US" altLang="ja-JP" sz="1800" dirty="0"/>
+            <a:pPr marL="0" indent="0">
+              <a:buNone/>
+            </a:pPr>
+            <a:r>
+              <a:rPr lang="en-US" sz="1800" b="1" dirty="0"/>
+              <a:t>Weaknesses </a:t>
+            </a:r>
+            <a:r>
+              <a:rPr lang="zh-CN" altLang="en-US" sz="1800" dirty="0">
+                <a:solidFill>
+                  <a:srgbClr val="1F497D"/>
+                </a:solidFill>
+                <a:latin typeface="DengXian" panose="02010600030101010101" pitchFamily="2" charset="-122"/>
+                <a:ea typeface="DengXian" panose="02010600030101010101" pitchFamily="2" charset="-122"/>
+              </a:rPr>
+              <a:t>弱项</a:t>
+            </a:r>
+            <a:r>
+              <a:rPr lang="en-US" altLang="ja-JP" sz="1800" b="1" dirty="0"/>
               <a:t>:</a:t>
             </a:r>
             <a:endParaRPr lang="en-US" sz="1800" dirty="0"/>
@@ -10438,20 +10458,25 @@
           </a:bodyPr>
           <a:lstStyle/>
           <a:p>
-            <a:r>
-              <a:rPr lang="en-US" sz="1800" dirty="0"/>
-              <a:t>Strengths</a:t>
-            </a:r>
-            <a:r>
-              <a:rPr lang="ja-JP" altLang="en-US" sz="1800" dirty="0">
-                <a:solidFill>
-                  <a:srgbClr val="1F497D"/>
-                </a:solidFill>
+            <a:pPr marL="0" indent="0">
+              <a:buNone/>
+            </a:pPr>
+            <a:r>
+              <a:rPr lang="en-US" sz="1800" b="1" dirty="0"/>
+              <a:t>Strengths </a:t>
+            </a:r>
+            <a:r>
+              <a:rPr lang="ja-JP" altLang="en-US" sz="1800" b="1" dirty="0">
+                <a:solidFill>
+                  <a:srgbClr val="1F497D"/>
+                </a:solidFill>
+                <a:latin typeface="DengXian" panose="02010600030101010101" pitchFamily="2" charset="-122"/>
+                <a:ea typeface="DengXian" panose="02010600030101010101" pitchFamily="2" charset="-122"/>
               </a:rPr>
               <a:t>强项</a:t>
             </a:r>
             <a:r>
-              <a:rPr lang="en-US" altLang="ja-JP" sz="1800" dirty="0"/>
+              <a:rPr lang="en-US" altLang="ja-JP" sz="1800" b="1" dirty="0"/>
               <a:t>:</a:t>
             </a:r>
             <a:endParaRPr lang="en-US" sz="1800" dirty="0"/>
@@ -10483,20 +10508,25 @@
             <a:endParaRPr lang="en-US" sz="1800" dirty="0"/>
           </a:p>
           <a:p>
-            <a:r>
-              <a:rPr lang="en-US" sz="1800" dirty="0"/>
-              <a:t>Weaknesses</a:t>
-            </a:r>
-            <a:r>
-              <a:rPr lang="ja-JP" altLang="en-US" sz="1800" dirty="0">
-                <a:solidFill>
-                  <a:srgbClr val="1F497D"/>
-                </a:solidFill>
-              </a:rPr>
-              <a:t>弱点</a:t>
-            </a:r>
-            <a:r>
-              <a:rPr lang="en-US" altLang="ja-JP" sz="1800" dirty="0"/>
+            <a:pPr marL="0" indent="0">
+              <a:buNone/>
+            </a:pPr>
+            <a:r>
+              <a:rPr lang="en-US" sz="1800" b="1" dirty="0"/>
+              <a:t>Weaknesses </a:t>
+            </a:r>
+            <a:r>
+              <a:rPr lang="zh-CN" altLang="en-US" sz="1800" dirty="0">
+                <a:solidFill>
+                  <a:srgbClr val="1F497D"/>
+                </a:solidFill>
+                <a:latin typeface="DengXian" panose="02010600030101010101" pitchFamily="2" charset="-122"/>
+                <a:ea typeface="DengXian" panose="02010600030101010101" pitchFamily="2" charset="-122"/>
+              </a:rPr>
+              <a:t>弱项</a:t>
+            </a:r>
+            <a:r>
+              <a:rPr lang="en-US" altLang="ja-JP" sz="1800" b="1" dirty="0"/>
               <a:t>:</a:t>
             </a:r>
             <a:endParaRPr lang="en-US" sz="1800" dirty="0"/>
@@ -10768,15 +10798,20 @@
           </a:bodyPr>
           <a:lstStyle/>
           <a:p>
+            <a:pPr marL="0" indent="0">
+              <a:buNone/>
+            </a:pPr>
             <a:r>
               <a:rPr lang="en-US" sz="1800" b="1" dirty="0"/>
-              <a:t>Strengths</a:t>
+              <a:t>Strengths </a:t>
             </a:r>
             <a:r>
               <a:rPr lang="ja-JP" altLang="en-US" sz="1800" b="1" dirty="0">
                 <a:solidFill>
                   <a:srgbClr val="1F497D"/>
                 </a:solidFill>
+                <a:latin typeface="DengXian" panose="02010600030101010101" pitchFamily="2" charset="-122"/>
+                <a:ea typeface="DengXian" panose="02010600030101010101" pitchFamily="2" charset="-122"/>
               </a:rPr>
               <a:t>强项</a:t>
             </a:r>
@@ -10813,17 +10848,22 @@
             <a:endParaRPr lang="en-US" sz="1800" dirty="0"/>
           </a:p>
           <a:p>
+            <a:pPr marL="0" indent="0">
+              <a:buNone/>
+            </a:pPr>
             <a:r>
               <a:rPr lang="en-US" sz="1800" b="1" dirty="0"/>
-              <a:t>Weaknesses</a:t>
-            </a:r>
-            <a:r>
-              <a:rPr lang="ja-JP" altLang="en-US" sz="1800" b="1" dirty="0">
-                <a:solidFill>
-                  <a:srgbClr val="1F497D"/>
-                </a:solidFill>
-              </a:rPr>
-              <a:t>弱点</a:t>
+              <a:t>Weaknesses </a:t>
+            </a:r>
+            <a:r>
+              <a:rPr lang="zh-CN" altLang="en-US" sz="1800" dirty="0">
+                <a:solidFill>
+                  <a:srgbClr val="1F497D"/>
+                </a:solidFill>
+                <a:latin typeface="DengXian" panose="02010600030101010101" pitchFamily="2" charset="-122"/>
+                <a:ea typeface="DengXian" panose="02010600030101010101" pitchFamily="2" charset="-122"/>
+              </a:rPr>
+              <a:t>弱项</a:t>
             </a:r>
             <a:r>
               <a:rPr lang="en-US" altLang="ja-JP" sz="1800" b="1" dirty="0"/>
@@ -11104,7 +11144,7 @@
         <p:spPr>
           <a:xfrm>
             <a:off x="466344" y="2968823"/>
-            <a:ext cx="11265408" cy="2599686"/>
+            <a:ext cx="11265408" cy="2977225"/>
           </a:xfrm>
           <a:prstGeom prst="rect">
             <a:avLst/>
@@ -11117,15 +11157,20 @@
           </a:bodyPr>
           <a:lstStyle/>
           <a:p>
+            <a:pPr marL="0" indent="0">
+              <a:buNone/>
+            </a:pPr>
             <a:r>
               <a:rPr lang="en-US" sz="1800" b="1" dirty="0"/>
-              <a:t>Strengths</a:t>
+              <a:t>Strengths </a:t>
             </a:r>
             <a:r>
               <a:rPr lang="ja-JP" altLang="en-US" sz="1800" b="1" dirty="0">
                 <a:solidFill>
                   <a:srgbClr val="1F497D"/>
                 </a:solidFill>
+                <a:latin typeface="DengXian" panose="02010600030101010101" pitchFamily="2" charset="-122"/>
+                <a:ea typeface="DengXian" panose="02010600030101010101" pitchFamily="2" charset="-122"/>
               </a:rPr>
               <a:t>强项</a:t>
             </a:r>
@@ -11181,6 +11226,17 @@
               </a:rPr>
               <a:t>工作环境标准已明确定义以供使用。</a:t>
             </a:r>
+            <a:endParaRPr lang="en-ZA" altLang="zh-CN" sz="1800" b="0" dirty="0">
+              <a:solidFill>
+                <a:srgbClr val="1F497D"/>
+              </a:solidFill>
+            </a:endParaRPr>
+          </a:p>
+          <a:p>
+            <a:pPr marL="342900" indent="-342900">
+              <a:buFont typeface="Arial" panose="020B0604020202020204" pitchFamily="34" charset="0"/>
+              <a:buChar char="•"/>
+            </a:pPr>
             <a:endParaRPr lang="en-US" sz="1800" b="0" dirty="0">
               <a:solidFill>
                 <a:srgbClr val="1F497D"/>
@@ -11188,17 +11244,22 @@
             </a:endParaRPr>
           </a:p>
           <a:p>
+            <a:pPr marL="0" indent="0">
+              <a:buNone/>
+            </a:pPr>
             <a:r>
               <a:rPr lang="en-US" sz="1800" b="1" dirty="0"/>
-              <a:t>Weaknesses</a:t>
-            </a:r>
-            <a:r>
-              <a:rPr lang="ja-JP" altLang="en-US" sz="1800" b="1" dirty="0">
-                <a:solidFill>
-                  <a:srgbClr val="1F497D"/>
-                </a:solidFill>
-              </a:rPr>
-              <a:t>弱点</a:t>
+              <a:t>Weaknesses </a:t>
+            </a:r>
+            <a:r>
+              <a:rPr lang="zh-CN" altLang="en-US" sz="1800" dirty="0">
+                <a:solidFill>
+                  <a:srgbClr val="1F497D"/>
+                </a:solidFill>
+                <a:latin typeface="DengXian" panose="02010600030101010101" pitchFamily="2" charset="-122"/>
+                <a:ea typeface="DengXian" panose="02010600030101010101" pitchFamily="2" charset="-122"/>
+              </a:rPr>
+              <a:t>弱项</a:t>
             </a:r>
             <a:r>
               <a:rPr lang="en-US" altLang="ja-JP" sz="1800" b="1" dirty="0"/>
@@ -11488,15 +11549,20 @@
             <a:endParaRPr lang="en-US" sz="1800" b="1" dirty="0"/>
           </a:p>
           <a:p>
+            <a:pPr marL="0" indent="0">
+              <a:buNone/>
+            </a:pPr>
             <a:r>
               <a:rPr lang="en-US" sz="1800" b="1" dirty="0"/>
-              <a:t>Strengths</a:t>
+              <a:t>Strengths </a:t>
             </a:r>
             <a:r>
               <a:rPr lang="ja-JP" altLang="en-US" sz="1800" b="1" dirty="0">
                 <a:solidFill>
                   <a:srgbClr val="1F497D"/>
                 </a:solidFill>
+                <a:latin typeface="DengXian" panose="02010600030101010101" pitchFamily="2" charset="-122"/>
+                <a:ea typeface="DengXian" panose="02010600030101010101" pitchFamily="2" charset="-122"/>
               </a:rPr>
               <a:t>强项</a:t>
             </a:r>
@@ -11504,7 +11570,7 @@
               <a:rPr lang="en-US" altLang="ja-JP" sz="1800" b="1" dirty="0"/>
               <a:t>:</a:t>
             </a:r>
-            <a:endParaRPr lang="en-US" sz="1800" b="1" dirty="0"/>
+            <a:endParaRPr lang="en-US" sz="1800" dirty="0"/>
           </a:p>
           <a:p>
             <a:pPr marL="342900" indent="-342900">
@@ -11841,23 +11907,28 @@
             <a:endParaRPr lang="en-US" sz="1800" b="1" dirty="0"/>
           </a:p>
           <a:p>
+            <a:pPr marL="0" indent="0">
+              <a:buNone/>
+            </a:pPr>
             <a:r>
               <a:rPr lang="en-US" sz="1800" b="1" dirty="0"/>
-              <a:t>Weaknesses</a:t>
-            </a:r>
-            <a:r>
-              <a:rPr lang="ja-JP" altLang="en-US" sz="1800" b="1" dirty="0">
-                <a:solidFill>
-                  <a:srgbClr val="1F497D"/>
-                </a:solidFill>
-              </a:rPr>
-              <a:t>弱点</a:t>
+              <a:t>Weaknesses </a:t>
+            </a:r>
+            <a:r>
+              <a:rPr lang="zh-CN" altLang="en-US" sz="1800" dirty="0">
+                <a:solidFill>
+                  <a:srgbClr val="1F497D"/>
+                </a:solidFill>
+                <a:latin typeface="DengXian" panose="02010600030101010101" pitchFamily="2" charset="-122"/>
+                <a:ea typeface="DengXian" panose="02010600030101010101" pitchFamily="2" charset="-122"/>
+              </a:rPr>
+              <a:t>弱项</a:t>
             </a:r>
             <a:r>
               <a:rPr lang="en-US" altLang="ja-JP" sz="1800" b="1" dirty="0"/>
               <a:t>:</a:t>
             </a:r>
-            <a:endParaRPr lang="en-US" sz="1800" b="1" dirty="0"/>
+            <a:endParaRPr lang="en-US" sz="1800" dirty="0"/>
           </a:p>
           <a:p>
             <a:pPr marL="342900" indent="-342900">
@@ -12290,15 +12361,20 @@
           </a:bodyPr>
           <a:lstStyle/>
           <a:p>
+            <a:pPr marL="0" indent="0">
+              <a:buNone/>
+            </a:pPr>
             <a:r>
               <a:rPr lang="en-US" sz="1800" b="1" dirty="0"/>
-              <a:t>Strengths</a:t>
+              <a:t>Strengths </a:t>
             </a:r>
             <a:r>
               <a:rPr lang="ja-JP" altLang="en-US" sz="1800" b="1" dirty="0">
                 <a:solidFill>
                   <a:srgbClr val="1F497D"/>
                 </a:solidFill>
+                <a:latin typeface="DengXian" panose="02010600030101010101" pitchFamily="2" charset="-122"/>
+                <a:ea typeface="DengXian" panose="02010600030101010101" pitchFamily="2" charset="-122"/>
               </a:rPr>
               <a:t>强项</a:t>
             </a:r>
@@ -12346,17 +12422,22 @@
             </a:endParaRPr>
           </a:p>
           <a:p>
+            <a:pPr marL="0" indent="0">
+              <a:buNone/>
+            </a:pPr>
             <a:r>
               <a:rPr lang="en-US" sz="1800" b="1" dirty="0"/>
-              <a:t>Weaknesses</a:t>
-            </a:r>
-            <a:r>
-              <a:rPr lang="ja-JP" altLang="en-US" sz="1800" b="1" dirty="0">
-                <a:solidFill>
-                  <a:srgbClr val="1F497D"/>
-                </a:solidFill>
-              </a:rPr>
-              <a:t>弱点</a:t>
+              <a:t>Weaknesses </a:t>
+            </a:r>
+            <a:r>
+              <a:rPr lang="zh-CN" altLang="en-US" sz="1800" dirty="0">
+                <a:solidFill>
+                  <a:srgbClr val="1F497D"/>
+                </a:solidFill>
+                <a:latin typeface="DengXian" panose="02010600030101010101" pitchFamily="2" charset="-122"/>
+                <a:ea typeface="DengXian" panose="02010600030101010101" pitchFamily="2" charset="-122"/>
+              </a:rPr>
+              <a:t>弱项</a:t>
             </a:r>
             <a:r>
               <a:rPr lang="en-US" altLang="ja-JP" sz="1800" b="1" dirty="0"/>
@@ -12641,15 +12722,20 @@
           </a:bodyPr>
           <a:lstStyle/>
           <a:p>
+            <a:pPr marL="0" indent="0">
+              <a:buNone/>
+            </a:pPr>
             <a:r>
               <a:rPr lang="en-US" sz="1800" b="1" dirty="0"/>
-              <a:t>Strengths</a:t>
+              <a:t>Strengths </a:t>
             </a:r>
             <a:r>
               <a:rPr lang="ja-JP" altLang="en-US" sz="1800" b="1" dirty="0">
                 <a:solidFill>
                   <a:srgbClr val="1F497D"/>
                 </a:solidFill>
+                <a:latin typeface="DengXian" panose="02010600030101010101" pitchFamily="2" charset="-122"/>
+                <a:ea typeface="DengXian" panose="02010600030101010101" pitchFamily="2" charset="-122"/>
               </a:rPr>
               <a:t>强项</a:t>
             </a:r>
@@ -12693,17 +12779,22 @@
             <a:endParaRPr lang="en-US" sz="1800" dirty="0"/>
           </a:p>
           <a:p>
+            <a:pPr marL="0" indent="0">
+              <a:buNone/>
+            </a:pPr>
             <a:r>
               <a:rPr lang="en-US" sz="1800" b="1" dirty="0"/>
-              <a:t>Weaknesses</a:t>
-            </a:r>
-            <a:r>
-              <a:rPr lang="ja-JP" altLang="en-US" sz="1800" b="1" dirty="0">
-                <a:solidFill>
-                  <a:srgbClr val="1F497D"/>
-                </a:solidFill>
-              </a:rPr>
-              <a:t>弱点</a:t>
+              <a:t>Weaknesses </a:t>
+            </a:r>
+            <a:r>
+              <a:rPr lang="zh-CN" altLang="en-US" sz="1800" dirty="0">
+                <a:solidFill>
+                  <a:srgbClr val="1F497D"/>
+                </a:solidFill>
+                <a:latin typeface="DengXian" panose="02010600030101010101" pitchFamily="2" charset="-122"/>
+                <a:ea typeface="DengXian" panose="02010600030101010101" pitchFamily="2" charset="-122"/>
+              </a:rPr>
+              <a:t>弱项</a:t>
             </a:r>
             <a:r>
               <a:rPr lang="en-US" altLang="ja-JP" sz="1800" b="1" dirty="0"/>
@@ -12857,15 +12948,7 @@
           <a:p>
             <a:r>
               <a:rPr lang="en-US" dirty="0"/>
-              <a:t>Requirements Development and Management (</a:t>
-            </a:r>
-            <a:r>
-              <a:rPr lang="en-US" dirty="0" err="1"/>
-              <a:t>RDM</a:t>
-            </a:r>
-            <a:r>
-              <a:rPr lang="en-US" dirty="0"/>
-              <a:t>)</a:t>
+              <a:t>Requirements Development and Management (RDM)</a:t>
             </a:r>
             <a:br>
               <a:rPr lang="en-US" dirty="0"/>
@@ -13003,15 +13086,20 @@
           </a:bodyPr>
           <a:lstStyle/>
           <a:p>
+            <a:pPr marL="0" indent="0">
+              <a:buNone/>
+            </a:pPr>
             <a:r>
               <a:rPr lang="en-US" sz="1800" b="1" dirty="0"/>
-              <a:t>Strengths</a:t>
+              <a:t>Strengths </a:t>
             </a:r>
             <a:r>
               <a:rPr lang="ja-JP" altLang="en-US" sz="1800" b="1" dirty="0">
                 <a:solidFill>
                   <a:srgbClr val="1F497D"/>
                 </a:solidFill>
+                <a:latin typeface="DengXian" panose="02010600030101010101" pitchFamily="2" charset="-122"/>
+                <a:ea typeface="DengXian" panose="02010600030101010101" pitchFamily="2" charset="-122"/>
               </a:rPr>
               <a:t>强项</a:t>
             </a:r>
@@ -13056,17 +13144,22 @@
             <a:endParaRPr lang="en-US" sz="1800" dirty="0"/>
           </a:p>
           <a:p>
+            <a:pPr marL="0" indent="0">
+              <a:buNone/>
+            </a:pPr>
             <a:r>
               <a:rPr lang="en-US" sz="1800" b="1" dirty="0"/>
-              <a:t>Weaknesses</a:t>
-            </a:r>
-            <a:r>
-              <a:rPr lang="ja-JP" altLang="en-US" sz="1800" b="1" dirty="0">
-                <a:solidFill>
-                  <a:srgbClr val="1F497D"/>
-                </a:solidFill>
-              </a:rPr>
-              <a:t>弱点</a:t>
+              <a:t>Weaknesses </a:t>
+            </a:r>
+            <a:r>
+              <a:rPr lang="zh-CN" altLang="en-US" sz="1800" dirty="0">
+                <a:solidFill>
+                  <a:srgbClr val="1F497D"/>
+                </a:solidFill>
+                <a:latin typeface="DengXian" panose="02010600030101010101" pitchFamily="2" charset="-122"/>
+                <a:ea typeface="DengXian" panose="02010600030101010101" pitchFamily="2" charset="-122"/>
+              </a:rPr>
+              <a:t>弱项</a:t>
             </a:r>
             <a:r>
               <a:rPr lang="en-US" altLang="ja-JP" sz="1800" b="1" dirty="0"/>
@@ -13174,12 +13267,18 @@
             </a:br>
             <a:r>
               <a:rPr lang="zh-CN" altLang="en-US" sz="6000" b="1" dirty="0">
+                <a:solidFill>
+                  <a:srgbClr val="1F497D"/>
+                </a:solidFill>
                 <a:latin typeface="+mn-ea"/>
                 <a:ea typeface="+mn-ea"/>
               </a:rPr>
               <a:t>评估概述</a:t>
             </a:r>
             <a:endParaRPr lang="en-US" b="1" dirty="0">
+              <a:solidFill>
+                <a:srgbClr val="1F497D"/>
+              </a:solidFill>
               <a:latin typeface="+mn-lt"/>
             </a:endParaRPr>
           </a:p>
@@ -13188,7 +13287,7 @@
     </p:spTree>
     <p:extLst>
       <p:ext uri="{BB962C8B-B14F-4D97-AF65-F5344CB8AC3E}">
-        <p14:creationId xmlns:p14="http://schemas.microsoft.com/office/powerpoint/2010/main" val="1570932285"/>
+        <p14:creationId xmlns:p14="http://schemas.microsoft.com/office/powerpoint/2010/main" val="3938322201"/>
       </p:ext>
     </p:extLst>
   </p:cSld>
@@ -13447,15 +13546,20 @@
           </a:bodyPr>
           <a:lstStyle/>
           <a:p>
+            <a:pPr marL="0" indent="0">
+              <a:buNone/>
+            </a:pPr>
             <a:r>
               <a:rPr lang="en-US" sz="1800" b="1" dirty="0"/>
-              <a:t>Strengths</a:t>
+              <a:t>Strengths </a:t>
             </a:r>
             <a:r>
               <a:rPr lang="ja-JP" altLang="en-US" sz="1800" b="1" dirty="0">
                 <a:solidFill>
                   <a:srgbClr val="1F497D"/>
                 </a:solidFill>
+                <a:latin typeface="DengXian" panose="02010600030101010101" pitchFamily="2" charset="-122"/>
+                <a:ea typeface="DengXian" panose="02010600030101010101" pitchFamily="2" charset="-122"/>
               </a:rPr>
               <a:t>强项</a:t>
             </a:r>
@@ -13492,17 +13596,22 @@
             <a:endParaRPr lang="en-US" sz="1800" dirty="0"/>
           </a:p>
           <a:p>
+            <a:pPr marL="0" indent="0">
+              <a:buNone/>
+            </a:pPr>
             <a:r>
               <a:rPr lang="en-US" sz="1800" b="1" dirty="0"/>
-              <a:t>Weaknesses</a:t>
-            </a:r>
-            <a:r>
-              <a:rPr lang="ja-JP" altLang="en-US" sz="1800" b="1" dirty="0">
-                <a:solidFill>
-                  <a:srgbClr val="1F497D"/>
-                </a:solidFill>
-              </a:rPr>
-              <a:t>弱点</a:t>
+              <a:t>Weaknesses </a:t>
+            </a:r>
+            <a:r>
+              <a:rPr lang="zh-CN" altLang="en-US" sz="1800" dirty="0">
+                <a:solidFill>
+                  <a:srgbClr val="1F497D"/>
+                </a:solidFill>
+                <a:latin typeface="DengXian" panose="02010600030101010101" pitchFamily="2" charset="-122"/>
+                <a:ea typeface="DengXian" panose="02010600030101010101" pitchFamily="2" charset="-122"/>
+              </a:rPr>
+              <a:t>弱项</a:t>
             </a:r>
             <a:r>
               <a:rPr lang="en-US" altLang="ja-JP" sz="1800" b="1" dirty="0"/>
@@ -13622,16 +13731,25 @@
           </a:bodyPr>
           <a:lstStyle/>
           <a:p>
-            <a:r>
-              <a:rPr lang="en-US" sz="1800" dirty="0"/>
-              <a:t>Strengths</a:t>
-            </a:r>
-            <a:r>
-              <a:rPr lang="ja-JP" altLang="en-US" sz="1800" dirty="0"/>
+            <a:pPr marL="0" indent="0">
+              <a:buNone/>
+            </a:pPr>
+            <a:r>
+              <a:rPr lang="en-US" sz="1800" b="1" dirty="0"/>
+              <a:t>Strengths </a:t>
+            </a:r>
+            <a:r>
+              <a:rPr lang="ja-JP" altLang="en-US" sz="1800" b="1" dirty="0">
+                <a:solidFill>
+                  <a:srgbClr val="1F497D"/>
+                </a:solidFill>
+                <a:latin typeface="DengXian" panose="02010600030101010101" pitchFamily="2" charset="-122"/>
+                <a:ea typeface="DengXian" panose="02010600030101010101" pitchFamily="2" charset="-122"/>
+              </a:rPr>
               <a:t>强项</a:t>
             </a:r>
             <a:r>
-              <a:rPr lang="en-US" altLang="ja-JP" sz="1800" dirty="0"/>
+              <a:rPr lang="en-US" altLang="ja-JP" sz="1800" b="1" dirty="0"/>
               <a:t>:</a:t>
             </a:r>
             <a:endParaRPr lang="en-US" sz="1800" dirty="0"/>
@@ -13670,20 +13788,25 @@
             <a:endParaRPr lang="en-US" sz="1800" dirty="0"/>
           </a:p>
           <a:p>
-            <a:r>
-              <a:rPr lang="en-US" sz="1800" dirty="0"/>
-              <a:t>Weaknesses</a:t>
-            </a:r>
-            <a:r>
-              <a:rPr lang="ja-JP" altLang="en-US" sz="1800" dirty="0">
-                <a:solidFill>
-                  <a:srgbClr val="1F497D"/>
-                </a:solidFill>
-              </a:rPr>
-              <a:t>弱点</a:t>
-            </a:r>
-            <a:r>
-              <a:rPr lang="en-US" altLang="ja-JP" sz="1800" dirty="0"/>
+            <a:pPr marL="0" indent="0">
+              <a:buNone/>
+            </a:pPr>
+            <a:r>
+              <a:rPr lang="en-US" sz="1800" b="1" dirty="0"/>
+              <a:t>Weaknesses </a:t>
+            </a:r>
+            <a:r>
+              <a:rPr lang="zh-CN" altLang="en-US" sz="1800" dirty="0">
+                <a:solidFill>
+                  <a:srgbClr val="1F497D"/>
+                </a:solidFill>
+                <a:latin typeface="DengXian" panose="02010600030101010101" pitchFamily="2" charset="-122"/>
+                <a:ea typeface="DengXian" panose="02010600030101010101" pitchFamily="2" charset="-122"/>
+              </a:rPr>
+              <a:t>弱项</a:t>
+            </a:r>
+            <a:r>
+              <a:rPr lang="en-US" altLang="ja-JP" sz="1800" b="1" dirty="0"/>
               <a:t>:</a:t>
             </a:r>
             <a:endParaRPr lang="en-US" sz="1800" dirty="0"/>
@@ -13962,24 +14085,28 @@
           </a:bodyPr>
           <a:lstStyle/>
           <a:p>
-            <a:r>
-              <a:rPr lang="en-US" sz="1800" dirty="0"/>
-              <a:t>Strengths</a:t>
-            </a:r>
-            <a:r>
-              <a:rPr lang="ja-JP" altLang="en-US" sz="1800" dirty="0">
-                <a:solidFill>
-                  <a:srgbClr val="1F497D"/>
-                </a:solidFill>
-                <a:latin typeface="宋体" panose="02010600030101010101" pitchFamily="2" charset="-122"/>
-                <a:ea typeface="宋体" panose="02010600030101010101" pitchFamily="2" charset="-122"/>
+            <a:pPr marL="0" indent="0">
+              <a:buNone/>
+            </a:pPr>
+            <a:r>
+              <a:rPr lang="en-US" sz="1800" b="1" dirty="0"/>
+              <a:t>Strengths </a:t>
+            </a:r>
+            <a:r>
+              <a:rPr lang="ja-JP" altLang="en-US" sz="1800" b="1" dirty="0">
+                <a:solidFill>
+                  <a:srgbClr val="1F497D"/>
+                </a:solidFill>
+                <a:latin typeface="DengXian" panose="02010600030101010101" pitchFamily="2" charset="-122"/>
+                <a:ea typeface="DengXian" panose="02010600030101010101" pitchFamily="2" charset="-122"/>
               </a:rPr>
               <a:t>强项</a:t>
             </a:r>
             <a:r>
-              <a:rPr lang="en-US" sz="1800" dirty="0"/>
+              <a:rPr lang="en-US" altLang="ja-JP" sz="1800" b="1" dirty="0"/>
               <a:t>:</a:t>
             </a:r>
+            <a:endParaRPr lang="en-US" sz="1800" dirty="0"/>
           </a:p>
           <a:p>
             <a:pPr marL="342900" indent="-342900">
@@ -15229,7 +15356,7 @@
         </p:blipFill>
         <p:spPr bwMode="auto">
           <a:xfrm>
-            <a:off x="7120058" y="1128559"/>
+            <a:off x="8521521" y="1137931"/>
             <a:ext cx="1231569" cy="718248"/>
           </a:xfrm>
           <a:prstGeom prst="rect">
@@ -15289,7 +15416,7 @@
         </p:blipFill>
         <p:spPr bwMode="auto">
           <a:xfrm>
-            <a:off x="8490820" y="1137931"/>
+            <a:off x="1577231" y="2015130"/>
             <a:ext cx="1268762" cy="714158"/>
           </a:xfrm>
           <a:prstGeom prst="rect">
@@ -15336,7 +15463,7 @@
         </p:blipFill>
         <p:spPr bwMode="auto">
           <a:xfrm>
-            <a:off x="2409394" y="1994893"/>
+            <a:off x="2940926" y="2012452"/>
             <a:ext cx="1264748" cy="718248"/>
           </a:xfrm>
           <a:prstGeom prst="rect">
@@ -15383,7 +15510,7 @@
         </p:blipFill>
         <p:spPr bwMode="auto">
           <a:xfrm>
-            <a:off x="6559671" y="2027939"/>
+            <a:off x="7103469" y="2064789"/>
             <a:ext cx="1264745" cy="692422"/>
           </a:xfrm>
           <a:prstGeom prst="rect">
@@ -15447,7 +15574,7 @@
         </p:blipFill>
         <p:spPr>
           <a:xfrm>
-            <a:off x="5706358" y="1120228"/>
+            <a:off x="7103469" y="1115118"/>
             <a:ext cx="1268762" cy="718248"/>
           </a:xfrm>
           <a:prstGeom prst="rect">
@@ -15566,7 +15693,7 @@
         </p:blipFill>
         <p:spPr>
           <a:xfrm>
-            <a:off x="7986718" y="2033186"/>
+            <a:off x="8514729" y="2061100"/>
             <a:ext cx="1233910" cy="681927"/>
           </a:xfrm>
           <a:prstGeom prst="rect">
@@ -15596,7 +15723,7 @@
         </p:blipFill>
         <p:spPr>
           <a:xfrm>
-            <a:off x="3794834" y="1994893"/>
+            <a:off x="4303652" y="1994893"/>
             <a:ext cx="1264745" cy="735807"/>
           </a:xfrm>
           <a:prstGeom prst="rect">
@@ -15633,8 +15760,55 @@
         </p:blipFill>
         <p:spPr bwMode="auto">
           <a:xfrm>
-            <a:off x="5180271" y="2013201"/>
+            <a:off x="5711385" y="2047657"/>
             <a:ext cx="1258708" cy="681631"/>
+          </a:xfrm>
+          <a:prstGeom prst="rect">
+            <a:avLst/>
+          </a:prstGeom>
+          <a:noFill/>
+          <a:extLst>
+            <a:ext uri="{909E8E84-426E-40DD-AFC4-6F175D3DCCD1}">
+              <a14:hiddenFill xmlns:a14="http://schemas.microsoft.com/office/drawing/2010/main">
+                <a:solidFill>
+                  <a:srgbClr val="FFFFFF"/>
+                </a:solidFill>
+              </a14:hiddenFill>
+            </a:ext>
+          </a:extLst>
+        </p:spPr>
+      </p:pic>
+      <p:pic>
+        <p:nvPicPr>
+          <p:cNvPr id="1026" name="Picture 2" descr="India - Wikipedia">
+            <a:extLst>
+              <a:ext uri="{FF2B5EF4-FFF2-40B4-BE49-F238E27FC236}">
+                <a16:creationId xmlns:a16="http://schemas.microsoft.com/office/drawing/2014/main" id="{240C6A43-575E-4561-B76F-E763EB0D668B}"/>
+              </a:ext>
+            </a:extLst>
+          </p:cNvPr>
+          <p:cNvPicPr>
+            <a:picLocks noChangeAspect="1" noChangeArrowheads="1"/>
+          </p:cNvPicPr>
+          <p:nvPr/>
+        </p:nvPicPr>
+        <p:blipFill>
+          <a:blip r:embed="rId26">
+            <a:extLst>
+              <a:ext uri="{28A0092B-C50C-407E-A947-70E740481C1C}">
+                <a14:useLocalDpi xmlns:a14="http://schemas.microsoft.com/office/drawing/2010/main" val="0"/>
+              </a:ext>
+            </a:extLst>
+          </a:blip>
+          <a:srcRect/>
+          <a:stretch>
+            <a:fillRect/>
+          </a:stretch>
+        </p:blipFill>
+        <p:spPr bwMode="auto">
+          <a:xfrm>
+            <a:off x="5700720" y="1138129"/>
+            <a:ext cx="1233910" cy="703097"/>
           </a:xfrm>
           <a:prstGeom prst="rect">
             <a:avLst/>
@@ -18004,18 +18178,18 @@
 </file>
 
 <file path=customXml/item1.xml><?xml version="1.0" encoding="utf-8"?>
+<p:properties xmlns:p="http://schemas.microsoft.com/office/2006/metadata/properties" xmlns:xsi="http://www.w3.org/2001/XMLSchema-instance" xmlns:pc="http://schemas.microsoft.com/office/infopath/2007/PartnerControls">
+  <documentManagement/>
+</p:properties>
+</file>
+
+<file path=customXml/item2.xml><?xml version="1.0" encoding="utf-8"?>
 <?mso-contentType ?>
 <FormTemplates xmlns="http://schemas.microsoft.com/sharepoint/v3/contenttype/forms">
   <Display>DocumentLibraryForm</Display>
   <Edit>DocumentLibraryForm</Edit>
   <New>DocumentLibraryForm</New>
 </FormTemplates>
-</file>
-
-<file path=customXml/item2.xml><?xml version="1.0" encoding="utf-8"?>
-<p:properties xmlns:p="http://schemas.microsoft.com/office/2006/metadata/properties" xmlns:xsi="http://www.w3.org/2001/XMLSchema-instance" xmlns:pc="http://schemas.microsoft.com/office/infopath/2007/PartnerControls">
-  <documentManagement/>
-</p:properties>
 </file>
 
 <file path=customXml/item3.xml><?xml version="1.0" encoding="utf-8"?>
@@ -18230,14 +18404,6 @@
 </file>
 
 <file path=customXml/itemProps1.xml><?xml version="1.0" encoding="utf-8"?>
-<ds:datastoreItem xmlns:ds="http://schemas.openxmlformats.org/officeDocument/2006/customXml" ds:itemID="{B8B49826-D5EE-4D24-B649-7C3A19B527D2}">
-  <ds:schemaRefs>
-    <ds:schemaRef ds:uri="http://schemas.microsoft.com/sharepoint/v3/contenttype/forms"/>
-  </ds:schemaRefs>
-</ds:datastoreItem>
-</file>
-
-<file path=customXml/itemProps2.xml><?xml version="1.0" encoding="utf-8"?>
 <ds:datastoreItem xmlns:ds="http://schemas.openxmlformats.org/officeDocument/2006/customXml" ds:itemID="{5F07B0D7-F930-4230-933E-ABA84959494E}">
   <ds:schemaRefs>
     <ds:schemaRef ds:uri="http://purl.org/dc/terms/"/>
@@ -18248,6 +18414,14 @@
     <ds:schemaRef ds:uri="http://schemas.openxmlformats.org/package/2006/metadata/core-properties"/>
     <ds:schemaRef ds:uri="http://schemas.microsoft.com/office/2006/metadata/properties"/>
     <ds:schemaRef ds:uri="http://purl.org/dc/elements/1.1/"/>
+  </ds:schemaRefs>
+</ds:datastoreItem>
+</file>
+
+<file path=customXml/itemProps2.xml><?xml version="1.0" encoding="utf-8"?>
+<ds:datastoreItem xmlns:ds="http://schemas.openxmlformats.org/officeDocument/2006/customXml" ds:itemID="{B8B49826-D5EE-4D24-B649-7C3A19B527D2}">
+  <ds:schemaRefs>
+    <ds:schemaRef ds:uri="http://schemas.microsoft.com/sharepoint/v3/contenttype/forms"/>
   </ds:schemaRefs>
 </ds:datastoreItem>
 </file>

--- a/2021-04-12to04-16 (A5) C53517 SoftMARS/21_10v01_MarsBaseAlpha_PreliminaryFindings.pptx
+++ b/2021-04-12to04-16 (A5) C53517 SoftMARS/21_10v01_MarsBaseAlpha_PreliminaryFindings.pptx
@@ -271,7 +271,7 @@
           <a:p>
             <a:fld id="{F319E496-E8FF-4856-B08F-DBE14D18B236}" type="datetimeFigureOut">
               <a:rPr lang="en-US" smtClean="0"/>
-              <a:t>1/5/2022</a:t>
+              <a:t>1/6/2022</a:t>
             </a:fld>
             <a:endParaRPr lang="en-US"/>
           </a:p>
@@ -448,7 +448,7 @@
           <a:p>
             <a:fld id="{4572F63B-EF0F-9942-98B2-F67CC88AF236}" type="datetimeFigureOut">
               <a:rPr lang="en-US" smtClean="0"/>
-              <a:t>1/5/2022</a:t>
+              <a:t>1/6/2022</a:t>
             </a:fld>
             <a:endParaRPr lang="en-US"/>
           </a:p>
@@ -1825,7 +1825,7 @@
               </a14:hiddenLine>
             </a:ext>
             <a:ext uri="{FAA26D3D-D897-4be2-8F04-BA451C77F1D7}">
-              <ma14:placeholderFlag xmlns:ma14="http://schemas.microsoft.com/office/mac/drawingml/2011/main" xmlns="" val="1"/>
+              <ma14:placeholderFlag xmlns="" xmlns:ma14="http://schemas.microsoft.com/office/mac/drawingml/2011/main" val="1"/>
             </a:ext>
           </a:extLst>
         </p:spPr>
@@ -4603,14 +4603,14 @@
           </a:ln>
           <a:extLst>
             <a:ext uri="{909E8E84-426E-40dd-AFC4-6F175D3DCCD1}">
-              <a14:hiddenFill xmlns="" xmlns:a14="http://schemas.microsoft.com/office/drawing/2010/main">
+              <a14:hiddenFill xmlns:a14="http://schemas.microsoft.com/office/drawing/2010/main" xmlns="">
                 <a:solidFill>
                   <a:schemeClr val="accent1"/>
                 </a:solidFill>
               </a14:hiddenFill>
             </a:ext>
             <a:ext uri="{91240B29-F687-4f45-9708-019B960494DF}">
-              <a14:hiddenLine xmlns="" xmlns:a14="http://schemas.microsoft.com/office/drawing/2010/main" w="9525">
+              <a14:hiddenLine xmlns:a14="http://schemas.microsoft.com/office/drawing/2010/main" xmlns="" w="9525">
                 <a:solidFill>
                   <a:schemeClr val="tx1"/>
                 </a:solidFill>
@@ -5094,7 +5094,7 @@
           <p:nvPr>
             <p:extLst>
               <p:ext uri="{D42A27DB-BD31-4B8C-83A1-F6EECF244321}">
-                <p14:modId xmlns:p14="http://schemas.microsoft.com/office/powerpoint/2010/main" val="1320357753"/>
+                <p14:modId xmlns:p14="http://schemas.microsoft.com/office/powerpoint/2010/main" val="1403545720"/>
               </p:ext>
             </p:extLst>
           </p:nvPr>
@@ -5107,7 +5107,7 @@
           <a:graphicData uri="http://schemas.openxmlformats.org/presentationml/2006/ole">
             <mc:AlternateContent xmlns:mc="http://schemas.openxmlformats.org/markup-compatibility/2006">
               <mc:Choice xmlns:v="urn:schemas-microsoft-com:vml" Requires="v">
-                <p:oleObj spid="_x0000_s2053" name="Macro-Enabled Worksheet" r:id="rId3" imgW="5057763" imgH="2971715" progId="Excel.SheetMacroEnabled.12">
+                <p:oleObj spid="_x0000_s2056" name="Macro-Enabled Worksheet" r:id="rId3" imgW="5057763" imgH="2971715" progId="Excel.SheetMacroEnabled.12">
                   <p:link updateAutomatic="1"/>
                 </p:oleObj>
               </mc:Choice>
@@ -5163,7 +5163,7 @@
           <p:nvPr>
             <p:extLst>
               <p:ext uri="{D42A27DB-BD31-4B8C-83A1-F6EECF244321}">
-                <p14:modId xmlns:p14="http://schemas.microsoft.com/office/powerpoint/2010/main" val="2060939588"/>
+                <p14:modId xmlns:p14="http://schemas.microsoft.com/office/powerpoint/2010/main" val="418242085"/>
               </p:ext>
             </p:extLst>
           </p:nvPr>
@@ -5176,7 +5176,7 @@
           <a:graphicData uri="http://schemas.openxmlformats.org/presentationml/2006/ole">
             <mc:AlternateContent xmlns:mc="http://schemas.openxmlformats.org/markup-compatibility/2006">
               <mc:Choice xmlns:v="urn:schemas-microsoft-com:vml" Requires="v">
-                <p:oleObj spid="_x0000_s2054" name="Macro-Enabled Worksheet" r:id="rId5" imgW="5057763" imgH="676332" progId="Excel.SheetMacroEnabled.12">
+                <p:oleObj spid="_x0000_s2057" name="Macro-Enabled Worksheet" r:id="rId5" imgW="5057763" imgH="676332" progId="Excel.SheetMacroEnabled.12">
                   <p:link updateAutomatic="1"/>
                 </p:oleObj>
               </mc:Choice>
@@ -5232,7 +5232,7 @@
           <p:nvPr>
             <p:extLst>
               <p:ext uri="{D42A27DB-BD31-4B8C-83A1-F6EECF244321}">
-                <p14:modId xmlns:p14="http://schemas.microsoft.com/office/powerpoint/2010/main" val="3522572990"/>
+                <p14:modId xmlns:p14="http://schemas.microsoft.com/office/powerpoint/2010/main" val="3029824373"/>
               </p:ext>
             </p:extLst>
           </p:nvPr>
@@ -5245,7 +5245,7 @@
           <a:graphicData uri="http://schemas.openxmlformats.org/presentationml/2006/ole">
             <mc:AlternateContent xmlns:mc="http://schemas.openxmlformats.org/markup-compatibility/2006">
               <mc:Choice xmlns:v="urn:schemas-microsoft-com:vml" Requires="v">
-                <p:oleObj spid="_x0000_s2055" name="Macro-Enabled Worksheet" r:id="rId7" imgW="5057763" imgH="276367" progId="Excel.SheetMacroEnabled.12">
+                <p:oleObj spid="_x0000_s2058" name="Macro-Enabled Worksheet" r:id="rId7" imgW="5057763" imgH="276367" progId="Excel.SheetMacroEnabled.12">
                   <p:link updateAutomatic="1"/>
                 </p:oleObj>
               </mc:Choice>
@@ -18184,15 +18184,6 @@
 </file>
 
 <file path=customXml/item2.xml><?xml version="1.0" encoding="utf-8"?>
-<?mso-contentType ?>
-<FormTemplates xmlns="http://schemas.microsoft.com/sharepoint/v3/contenttype/forms">
-  <Display>DocumentLibraryForm</Display>
-  <Edit>DocumentLibraryForm</Edit>
-  <New>DocumentLibraryForm</New>
-</FormTemplates>
-</file>
-
-<file path=customXml/item3.xml><?xml version="1.0" encoding="utf-8"?>
 <ct:contentTypeSchema xmlns:ct="http://schemas.microsoft.com/office/2006/metadata/contentType" xmlns:ma="http://schemas.microsoft.com/office/2006/metadata/properties/metaAttributes" ct:_="" ma:_="" ma:contentTypeName="Document" ma:contentTypeID="0x0101001F513751AC33344AB32CFD2920EFE649" ma:contentTypeVersion="11" ma:contentTypeDescription="Create a new document." ma:contentTypeScope="" ma:versionID="683516f7d70434a0e4dbd6c476be8d5b">
   <xsd:schema xmlns:xsd="http://www.w3.org/2001/XMLSchema" xmlns:xs="http://www.w3.org/2001/XMLSchema" xmlns:p="http://schemas.microsoft.com/office/2006/metadata/properties" xmlns:ns2="72e3a154-4955-46c3-9573-e9dec3e1f195" xmlns:ns3="ec500478-62e0-46fc-87f1-cfa988e486b4" targetNamespace="http://schemas.microsoft.com/office/2006/metadata/properties" ma:root="true" ma:fieldsID="cf4a15c6a1eec5dbba94230cc6a50510" ns2:_="" ns3:_="">
     <xsd:import namespace="72e3a154-4955-46c3-9573-e9dec3e1f195"/>
@@ -18403,6 +18394,15 @@
 </ct:contentTypeSchema>
 </file>
 
+<file path=customXml/item3.xml><?xml version="1.0" encoding="utf-8"?>
+<?mso-contentType ?>
+<FormTemplates xmlns="http://schemas.microsoft.com/sharepoint/v3/contenttype/forms">
+  <Display>DocumentLibraryForm</Display>
+  <Edit>DocumentLibraryForm</Edit>
+  <New>DocumentLibraryForm</New>
+</FormTemplates>
+</file>
+
 <file path=customXml/itemProps1.xml><?xml version="1.0" encoding="utf-8"?>
 <ds:datastoreItem xmlns:ds="http://schemas.openxmlformats.org/officeDocument/2006/customXml" ds:itemID="{5F07B0D7-F930-4230-933E-ABA84959494E}">
   <ds:schemaRefs>
@@ -18419,14 +18419,6 @@
 </file>
 
 <file path=customXml/itemProps2.xml><?xml version="1.0" encoding="utf-8"?>
-<ds:datastoreItem xmlns:ds="http://schemas.openxmlformats.org/officeDocument/2006/customXml" ds:itemID="{B8B49826-D5EE-4D24-B649-7C3A19B527D2}">
-  <ds:schemaRefs>
-    <ds:schemaRef ds:uri="http://schemas.microsoft.com/sharepoint/v3/contenttype/forms"/>
-  </ds:schemaRefs>
-</ds:datastoreItem>
-</file>
-
-<file path=customXml/itemProps3.xml><?xml version="1.0" encoding="utf-8"?>
 <ds:datastoreItem xmlns:ds="http://schemas.openxmlformats.org/officeDocument/2006/customXml" ds:itemID="{AD6DDA88-99C8-47A0-BFFC-3F4677CE5092}">
   <ds:schemaRefs>
     <ds:schemaRef ds:uri="http://schemas.microsoft.com/office/2006/metadata/contentType"/>
@@ -18443,4 +18435,12 @@
     <ds:schemaRef ds:uri="http://schemas.microsoft.com/internal/obd"/>
   </ds:schemaRefs>
 </ds:datastoreItem>
+</file>
+
+<file path=customXml/itemProps3.xml><?xml version="1.0" encoding="utf-8"?>
+<ds:datastoreItem xmlns:ds="http://schemas.openxmlformats.org/officeDocument/2006/customXml" ds:itemID="{B8B49826-D5EE-4D24-B649-7C3A19B527D2}">
+  <ds:schemaRefs>
+    <ds:schemaRef ds:uri="http://schemas.microsoft.com/sharepoint/v3/contenttype/forms"/>
+  </ds:schemaRefs>
+</ds:datastoreItem>
 </file>